--- a/Hands-on Modules/Embedding/7. Embedding Module.pptx
+++ b/Hands-on Modules/Embedding/7. Embedding Module.pptx
@@ -5,7 +5,7 @@
     <p:sldMasterId id="2147483660" r:id="rId1"/>
   </p:sldMasterIdLst>
   <p:notesMasterIdLst>
-    <p:notesMasterId r:id="rId12"/>
+    <p:notesMasterId r:id="rId21"/>
   </p:notesMasterIdLst>
   <p:sldIdLst>
     <p:sldId id="300" r:id="rId2"/>
@@ -18,6 +18,15 @@
     <p:sldId id="329" r:id="rId9"/>
     <p:sldId id="330" r:id="rId10"/>
     <p:sldId id="269" r:id="rId11"/>
+    <p:sldId id="333" r:id="rId12"/>
+    <p:sldId id="334" r:id="rId13"/>
+    <p:sldId id="335" r:id="rId14"/>
+    <p:sldId id="336" r:id="rId15"/>
+    <p:sldId id="337" r:id="rId16"/>
+    <p:sldId id="338" r:id="rId17"/>
+    <p:sldId id="341" r:id="rId18"/>
+    <p:sldId id="339" r:id="rId19"/>
+    <p:sldId id="340" r:id="rId20"/>
   </p:sldIdLst>
   <p:sldSz cx="12192000" cy="6858000"/>
   <p:notesSz cx="6858000" cy="9144000"/>
@@ -206,7 +215,7 @@
           <a:p>
             <a:fld id="{A5E98B92-C0B5-4678-86B5-68F423B12508}" type="datetimeFigureOut">
               <a:rPr lang="en-US" smtClean="0"/>
-              <a:t>2/25/2019</a:t>
+              <a:t>2/26/2019</a:t>
             </a:fld>
             <a:endParaRPr lang="en-US"/>
           </a:p>
@@ -860,7 +869,7 @@
                 <a:tabLst/>
                 <a:defRPr/>
               </a:pPr>
-              <a:t>2/25/2019 11:01 PM</a:t>
+              <a:t>2/26/2019 10:34 AM</a:t>
             </a:fld>
             <a:endParaRPr kumimoji="0" lang="en-US" sz="1200" b="0" i="0" u="none" strike="noStrike" kern="1200" cap="none" spc="0" normalizeH="0" baseline="0" noProof="0" dirty="0">
               <a:ln>
@@ -6350,7 +6359,7 @@
             <a:fld id="{2E809A50-B28D-413A-915D-87F91E5248C6}" type="datetimeFigureOut">
               <a:rPr lang="en-US" smtClean="0"/>
               <a:pPr/>
-              <a:t>2/25/2019</a:t>
+              <a:t>2/26/2019</a:t>
             </a:fld>
             <a:endParaRPr lang="en-US"/>
           </a:p>
@@ -7997,7 +8006,7 @@
           <a:p>
             <a:fld id="{1279C872-40C5-4778-A459-913B2790679C}" type="datetimeFigureOut">
               <a:rPr lang="en-US" smtClean="0"/>
-              <a:t>2/25/2019</a:t>
+              <a:t>2/26/2019</a:t>
             </a:fld>
             <a:endParaRPr lang="en-US"/>
           </a:p>
@@ -8262,7 +8271,7 @@
           <a:p>
             <a:fld id="{1279C872-40C5-4778-A459-913B2790679C}" type="datetimeFigureOut">
               <a:rPr lang="en-US" smtClean="0"/>
-              <a:t>2/25/2019</a:t>
+              <a:t>2/26/2019</a:t>
             </a:fld>
             <a:endParaRPr lang="en-US"/>
           </a:p>
@@ -8674,7 +8683,7 @@
           <a:p>
             <a:fld id="{1279C872-40C5-4778-A459-913B2790679C}" type="datetimeFigureOut">
               <a:rPr lang="en-US" smtClean="0"/>
-              <a:t>2/25/2019</a:t>
+              <a:t>2/26/2019</a:t>
             </a:fld>
             <a:endParaRPr lang="en-US"/>
           </a:p>
@@ -10729,6 +10738,2576 @@
   <p:transition>
     <p:fade/>
   </p:transition>
+</p:sld>
+</file>
+
+<file path=ppt/slides/slide11.xml><?xml version="1.0" encoding="utf-8"?>
+<p:sld xmlns:a="http://schemas.openxmlformats.org/drawingml/2006/main" xmlns:r="http://schemas.openxmlformats.org/officeDocument/2006/relationships" xmlns:p="http://schemas.openxmlformats.org/presentationml/2006/main">
+  <p:cSld>
+    <p:spTree>
+      <p:nvGrpSpPr>
+        <p:cNvPr id="1" name=""/>
+        <p:cNvGrpSpPr/>
+        <p:nvPr/>
+      </p:nvGrpSpPr>
+      <p:grpSpPr>
+        <a:xfrm>
+          <a:off x="0" y="0"/>
+          <a:ext cx="0" cy="0"/>
+          <a:chOff x="0" y="0"/>
+          <a:chExt cx="0" cy="0"/>
+        </a:xfrm>
+      </p:grpSpPr>
+      <p:sp>
+        <p:nvSpPr>
+          <p:cNvPr id="2" name="Title 1">
+            <a:extLst>
+              <a:ext uri="{FF2B5EF4-FFF2-40B4-BE49-F238E27FC236}">
+                <a16:creationId xmlns:a16="http://schemas.microsoft.com/office/drawing/2014/main" id="{5E33DDE4-2F49-4E9B-9E06-45C9BD82FC95}"/>
+              </a:ext>
+            </a:extLst>
+          </p:cNvPr>
+          <p:cNvSpPr>
+            <a:spLocks noGrp="1"/>
+          </p:cNvSpPr>
+          <p:nvPr>
+            <p:ph type="title"/>
+          </p:nvPr>
+        </p:nvSpPr>
+        <p:spPr/>
+        <p:txBody>
+          <a:bodyPr/>
+          <a:lstStyle/>
+          <a:p>
+            <a:r>
+              <a:rPr lang="en-US" dirty="0"/>
+              <a:t>FAQs - Technical</a:t>
+            </a:r>
+          </a:p>
+        </p:txBody>
+      </p:sp>
+    </p:spTree>
+    <p:extLst>
+      <p:ext uri="{BB962C8B-B14F-4D97-AF65-F5344CB8AC3E}">
+        <p14:creationId xmlns:p14="http://schemas.microsoft.com/office/powerpoint/2010/main" val="383688892"/>
+      </p:ext>
+    </p:extLst>
+  </p:cSld>
+  <p:clrMapOvr>
+    <a:masterClrMapping/>
+  </p:clrMapOvr>
+  <p:transition>
+    <p:fade/>
+  </p:transition>
+</p:sld>
+</file>
+
+<file path=ppt/slides/slide12.xml><?xml version="1.0" encoding="utf-8"?>
+<p:sld xmlns:a="http://schemas.openxmlformats.org/drawingml/2006/main" xmlns:r="http://schemas.openxmlformats.org/officeDocument/2006/relationships" xmlns:p="http://schemas.openxmlformats.org/presentationml/2006/main">
+  <p:cSld>
+    <p:spTree>
+      <p:nvGrpSpPr>
+        <p:cNvPr id="1" name=""/>
+        <p:cNvGrpSpPr/>
+        <p:nvPr/>
+      </p:nvGrpSpPr>
+      <p:grpSpPr>
+        <a:xfrm>
+          <a:off x="0" y="0"/>
+          <a:ext cx="0" cy="0"/>
+          <a:chOff x="0" y="0"/>
+          <a:chExt cx="0" cy="0"/>
+        </a:xfrm>
+      </p:grpSpPr>
+      <p:sp>
+        <p:nvSpPr>
+          <p:cNvPr id="5" name="Title 4">
+            <a:extLst>
+              <a:ext uri="{FF2B5EF4-FFF2-40B4-BE49-F238E27FC236}">
+                <a16:creationId xmlns:a16="http://schemas.microsoft.com/office/drawing/2014/main" id="{1B604281-1379-41C8-8F62-B6A453B8DF12}"/>
+              </a:ext>
+            </a:extLst>
+          </p:cNvPr>
+          <p:cNvSpPr>
+            <a:spLocks noGrp="1"/>
+          </p:cNvSpPr>
+          <p:nvPr>
+            <p:ph type="title"/>
+          </p:nvPr>
+        </p:nvSpPr>
+        <p:spPr/>
+        <p:txBody>
+          <a:bodyPr/>
+          <a:lstStyle/>
+          <a:p>
+            <a:r>
+              <a:rPr lang="en-US" dirty="0"/>
+              <a:t>FAQs</a:t>
+            </a:r>
+          </a:p>
+        </p:txBody>
+      </p:sp>
+      <p:sp>
+        <p:nvSpPr>
+          <p:cNvPr id="3" name="Text Placeholder 2">
+            <a:extLst>
+              <a:ext uri="{FF2B5EF4-FFF2-40B4-BE49-F238E27FC236}">
+                <a16:creationId xmlns:a16="http://schemas.microsoft.com/office/drawing/2014/main" id="{6755848A-B95D-4DD9-BB42-F8F14427555E}"/>
+              </a:ext>
+            </a:extLst>
+          </p:cNvPr>
+          <p:cNvSpPr>
+            <a:spLocks noGrp="1"/>
+          </p:cNvSpPr>
+          <p:nvPr>
+            <p:ph type="body" idx="1"/>
+          </p:nvPr>
+        </p:nvSpPr>
+        <p:spPr>
+          <a:xfrm>
+            <a:off x="839788" y="1655612"/>
+            <a:ext cx="5157787" cy="849463"/>
+          </a:xfrm>
+        </p:spPr>
+        <p:txBody>
+          <a:bodyPr/>
+          <a:lstStyle/>
+          <a:p>
+            <a:r>
+              <a:rPr lang="en-US" dirty="0"/>
+              <a:t>What are the prerequisites to create a PBIE capacity in Azure?</a:t>
+            </a:r>
+          </a:p>
+        </p:txBody>
+      </p:sp>
+      <p:sp>
+        <p:nvSpPr>
+          <p:cNvPr id="6" name="Content Placeholder 5">
+            <a:extLst>
+              <a:ext uri="{FF2B5EF4-FFF2-40B4-BE49-F238E27FC236}">
+                <a16:creationId xmlns:a16="http://schemas.microsoft.com/office/drawing/2014/main" id="{4C38ED99-8475-4492-B62C-D98E7DA57BC5}"/>
+              </a:ext>
+            </a:extLst>
+          </p:cNvPr>
+          <p:cNvSpPr>
+            <a:spLocks noGrp="1"/>
+          </p:cNvSpPr>
+          <p:nvPr>
+            <p:ph sz="half" idx="2"/>
+          </p:nvPr>
+        </p:nvSpPr>
+        <p:spPr>
+          <a:xfrm>
+            <a:off x="839788" y="2505075"/>
+            <a:ext cx="5157787" cy="3656386"/>
+          </a:xfrm>
+        </p:spPr>
+        <p:txBody>
+          <a:bodyPr/>
+          <a:lstStyle/>
+          <a:p>
+            <a:r>
+              <a:rPr lang="en-US" sz="2400" dirty="0"/>
+              <a:t>Sign in to your organizational directory (MSA accounts are not supported).</a:t>
+            </a:r>
+          </a:p>
+          <a:p>
+            <a:r>
+              <a:rPr lang="en-US" sz="2400" dirty="0"/>
+              <a:t>You need to have a Power BI tenant, that is, at least one user in your directory has signed up to Power BI.</a:t>
+            </a:r>
+          </a:p>
+          <a:p>
+            <a:r>
+              <a:rPr lang="en-US" sz="2400" dirty="0"/>
+              <a:t>You need to have an Azure subscription in your organizational directory.</a:t>
+            </a:r>
+          </a:p>
+        </p:txBody>
+      </p:sp>
+      <p:sp>
+        <p:nvSpPr>
+          <p:cNvPr id="7" name="Text Placeholder 6">
+            <a:extLst>
+              <a:ext uri="{FF2B5EF4-FFF2-40B4-BE49-F238E27FC236}">
+                <a16:creationId xmlns:a16="http://schemas.microsoft.com/office/drawing/2014/main" id="{AC91689F-45D4-4EC5-8221-1E9C3943A948}"/>
+              </a:ext>
+            </a:extLst>
+          </p:cNvPr>
+          <p:cNvSpPr>
+            <a:spLocks noGrp="1"/>
+          </p:cNvSpPr>
+          <p:nvPr>
+            <p:ph type="body" sz="quarter" idx="3"/>
+          </p:nvPr>
+        </p:nvSpPr>
+        <p:spPr>
+          <a:xfrm>
+            <a:off x="6172200" y="1655612"/>
+            <a:ext cx="5183188" cy="849463"/>
+          </a:xfrm>
+        </p:spPr>
+        <p:txBody>
+          <a:bodyPr/>
+          <a:lstStyle/>
+          <a:p>
+            <a:r>
+              <a:rPr lang="en-US" dirty="0"/>
+              <a:t>How do I manage permissions for service principals with Power BI?</a:t>
+            </a:r>
+          </a:p>
+        </p:txBody>
+      </p:sp>
+      <p:sp>
+        <p:nvSpPr>
+          <p:cNvPr id="8" name="Content Placeholder 7">
+            <a:extLst>
+              <a:ext uri="{FF2B5EF4-FFF2-40B4-BE49-F238E27FC236}">
+                <a16:creationId xmlns:a16="http://schemas.microsoft.com/office/drawing/2014/main" id="{FB9E7A62-4A52-4258-9051-8A853B5F94BB}"/>
+              </a:ext>
+            </a:extLst>
+          </p:cNvPr>
+          <p:cNvSpPr>
+            <a:spLocks noGrp="1"/>
+          </p:cNvSpPr>
+          <p:nvPr>
+            <p:ph sz="quarter" idx="4"/>
+          </p:nvPr>
+        </p:nvSpPr>
+        <p:spPr>
+          <a:xfrm>
+            <a:off x="6172200" y="2505075"/>
+            <a:ext cx="5183188" cy="3385542"/>
+          </a:xfrm>
+        </p:spPr>
+        <p:txBody>
+          <a:bodyPr/>
+          <a:lstStyle/>
+          <a:p>
+            <a:r>
+              <a:rPr lang="en-US" sz="1600" dirty="0">
+                <a:solidFill>
+                  <a:schemeClr val="tx1"/>
+                </a:solidFill>
+              </a:rPr>
+              <a:t>Once you enable </a:t>
+            </a:r>
+            <a:r>
+              <a:rPr lang="en-US" sz="1600" u="sng" dirty="0">
+                <a:solidFill>
+                  <a:schemeClr val="tx1"/>
+                </a:solidFill>
+                <a:hlinkClick r:id="rId2">
+                  <a:extLst>
+                    <a:ext uri="{A12FA001-AC4F-418D-AE19-62706E023703}">
+                      <ahyp:hlinkClr xmlns:ahyp="http://schemas.microsoft.com/office/drawing/2018/hyperlinkcolor" val="tx"/>
+                    </a:ext>
+                  </a:extLst>
+                </a:hlinkClick>
+              </a:rPr>
+              <a:t>service principal</a:t>
+            </a:r>
+            <a:r>
+              <a:rPr lang="en-US" sz="1600" dirty="0">
+                <a:solidFill>
+                  <a:schemeClr val="tx1"/>
+                </a:solidFill>
+              </a:rPr>
+              <a:t> to be used with Power BI, the application's AD permissions don't take effect anymore. The application's permissions are then managed through the Power BI admin portal.</a:t>
+            </a:r>
+          </a:p>
+          <a:p>
+            <a:r>
+              <a:rPr lang="en-US" sz="1600" dirty="0">
+                <a:solidFill>
+                  <a:schemeClr val="tx1"/>
+                </a:solidFill>
+              </a:rPr>
+              <a:t>Service principals inherit the permissions for all Power BI tenant settings from their security group. To restrict permissions, create a dedicated security group for service principals and add it to the 'Except specific security groups' list for the relevant, enabled Power BI settings.</a:t>
+            </a:r>
+          </a:p>
+          <a:p>
+            <a:r>
+              <a:rPr lang="en-US" sz="1600" dirty="0">
+                <a:solidFill>
+                  <a:schemeClr val="tx1"/>
+                </a:solidFill>
+              </a:rPr>
+              <a:t>This situation matters when you add the service principal as an </a:t>
+            </a:r>
+            <a:r>
+              <a:rPr lang="en-US" sz="1600" b="1" dirty="0">
+                <a:solidFill>
+                  <a:schemeClr val="tx1"/>
+                </a:solidFill>
+              </a:rPr>
+              <a:t>admin</a:t>
+            </a:r>
+            <a:r>
+              <a:rPr lang="en-US" sz="1600" dirty="0">
+                <a:solidFill>
+                  <a:schemeClr val="tx1"/>
+                </a:solidFill>
+              </a:rPr>
+              <a:t> to the new workspace. You can manage this task through the </a:t>
+            </a:r>
+            <a:r>
+              <a:rPr lang="en-US" sz="1600" u="sng" dirty="0">
+                <a:solidFill>
+                  <a:schemeClr val="tx1"/>
+                </a:solidFill>
+                <a:hlinkClick r:id="rId3">
+                  <a:extLst>
+                    <a:ext uri="{A12FA001-AC4F-418D-AE19-62706E023703}">
+                      <ahyp:hlinkClr xmlns:ahyp="http://schemas.microsoft.com/office/drawing/2018/hyperlinkcolor" val="tx"/>
+                    </a:ext>
+                  </a:extLst>
+                </a:hlinkClick>
+              </a:rPr>
+              <a:t>APIs</a:t>
+            </a:r>
+            <a:r>
+              <a:rPr lang="en-US" sz="1600" dirty="0">
+                <a:solidFill>
+                  <a:schemeClr val="tx1"/>
+                </a:solidFill>
+              </a:rPr>
+              <a:t> or with the Power BI service.</a:t>
+            </a:r>
+          </a:p>
+        </p:txBody>
+      </p:sp>
+    </p:spTree>
+    <p:extLst>
+      <p:ext uri="{BB962C8B-B14F-4D97-AF65-F5344CB8AC3E}">
+        <p14:creationId xmlns:p14="http://schemas.microsoft.com/office/powerpoint/2010/main" val="3521766818"/>
+      </p:ext>
+    </p:extLst>
+  </p:cSld>
+  <p:clrMapOvr>
+    <a:masterClrMapping/>
+  </p:clrMapOvr>
+  <p:transition>
+    <p:fade/>
+  </p:transition>
+</p:sld>
+</file>
+
+<file path=ppt/slides/slide13.xml><?xml version="1.0" encoding="utf-8"?>
+<p:sld xmlns:a="http://schemas.openxmlformats.org/drawingml/2006/main" xmlns:r="http://schemas.openxmlformats.org/officeDocument/2006/relationships" xmlns:p="http://schemas.openxmlformats.org/presentationml/2006/main">
+  <p:cSld>
+    <p:spTree>
+      <p:nvGrpSpPr>
+        <p:cNvPr id="1" name=""/>
+        <p:cNvGrpSpPr/>
+        <p:nvPr/>
+      </p:nvGrpSpPr>
+      <p:grpSpPr>
+        <a:xfrm>
+          <a:off x="0" y="0"/>
+          <a:ext cx="0" cy="0"/>
+          <a:chOff x="0" y="0"/>
+          <a:chExt cx="0" cy="0"/>
+        </a:xfrm>
+      </p:grpSpPr>
+      <p:sp>
+        <p:nvSpPr>
+          <p:cNvPr id="2" name="Title 1">
+            <a:extLst>
+              <a:ext uri="{FF2B5EF4-FFF2-40B4-BE49-F238E27FC236}">
+                <a16:creationId xmlns:a16="http://schemas.microsoft.com/office/drawing/2014/main" id="{C57F8FB0-B9D9-495F-BC32-CAC38B615388}"/>
+              </a:ext>
+            </a:extLst>
+          </p:cNvPr>
+          <p:cNvSpPr>
+            <a:spLocks noGrp="1"/>
+          </p:cNvSpPr>
+          <p:nvPr>
+            <p:ph type="title"/>
+          </p:nvPr>
+        </p:nvSpPr>
+        <p:spPr/>
+        <p:txBody>
+          <a:bodyPr/>
+          <a:lstStyle/>
+          <a:p>
+            <a:r>
+              <a:rPr lang="en-US" dirty="0"/>
+              <a:t>FAQs</a:t>
+            </a:r>
+          </a:p>
+        </p:txBody>
+      </p:sp>
+      <p:sp>
+        <p:nvSpPr>
+          <p:cNvPr id="3" name="Text Placeholder 2">
+            <a:extLst>
+              <a:ext uri="{FF2B5EF4-FFF2-40B4-BE49-F238E27FC236}">
+                <a16:creationId xmlns:a16="http://schemas.microsoft.com/office/drawing/2014/main" id="{0633A304-1DBB-49AC-B9C6-3ED9ABC567F7}"/>
+              </a:ext>
+            </a:extLst>
+          </p:cNvPr>
+          <p:cNvSpPr>
+            <a:spLocks noGrp="1"/>
+          </p:cNvSpPr>
+          <p:nvPr>
+            <p:ph type="body" idx="1"/>
+          </p:nvPr>
+        </p:nvSpPr>
+        <p:spPr>
+          <a:xfrm>
+            <a:off x="839788" y="1766411"/>
+            <a:ext cx="5157787" cy="738664"/>
+          </a:xfrm>
+        </p:spPr>
+        <p:txBody>
+          <a:bodyPr/>
+          <a:lstStyle/>
+          <a:p>
+            <a:r>
+              <a:rPr lang="en-US" sz="2000" dirty="0"/>
+              <a:t>Can my capacity scale automatically to adjust to the consumption of my app?</a:t>
+            </a:r>
+          </a:p>
+        </p:txBody>
+      </p:sp>
+      <p:sp>
+        <p:nvSpPr>
+          <p:cNvPr id="4" name="Content Placeholder 3">
+            <a:extLst>
+              <a:ext uri="{FF2B5EF4-FFF2-40B4-BE49-F238E27FC236}">
+                <a16:creationId xmlns:a16="http://schemas.microsoft.com/office/drawing/2014/main" id="{03F8A53D-8A11-4A1E-B8C1-E260B38E3D3E}"/>
+              </a:ext>
+            </a:extLst>
+          </p:cNvPr>
+          <p:cNvSpPr>
+            <a:spLocks noGrp="1"/>
+          </p:cNvSpPr>
+          <p:nvPr>
+            <p:ph sz="half" idx="2"/>
+          </p:nvPr>
+        </p:nvSpPr>
+        <p:spPr>
+          <a:xfrm>
+            <a:off x="839788" y="2505075"/>
+            <a:ext cx="5157787" cy="1181862"/>
+          </a:xfrm>
+        </p:spPr>
+        <p:txBody>
+          <a:bodyPr/>
+          <a:lstStyle/>
+          <a:p>
+            <a:r>
+              <a:rPr lang="en-US" sz="2400" dirty="0"/>
+              <a:t>While there is no automatic scaling now, all the APIs are available to scale at any time.</a:t>
+            </a:r>
+          </a:p>
+        </p:txBody>
+      </p:sp>
+      <p:sp>
+        <p:nvSpPr>
+          <p:cNvPr id="5" name="Text Placeholder 4">
+            <a:extLst>
+              <a:ext uri="{FF2B5EF4-FFF2-40B4-BE49-F238E27FC236}">
+                <a16:creationId xmlns:a16="http://schemas.microsoft.com/office/drawing/2014/main" id="{B99BAC29-3C16-494C-A7C3-D84EFC8E439A}"/>
+              </a:ext>
+            </a:extLst>
+          </p:cNvPr>
+          <p:cNvSpPr>
+            <a:spLocks noGrp="1"/>
+          </p:cNvSpPr>
+          <p:nvPr>
+            <p:ph type="body" sz="quarter" idx="3"/>
+          </p:nvPr>
+        </p:nvSpPr>
+        <p:spPr>
+          <a:xfrm>
+            <a:off x="6172200" y="1821811"/>
+            <a:ext cx="5183188" cy="683264"/>
+          </a:xfrm>
+        </p:spPr>
+        <p:txBody>
+          <a:bodyPr/>
+          <a:lstStyle/>
+          <a:p>
+            <a:r>
+              <a:rPr lang="en-US" sz="1800" dirty="0"/>
+              <a:t>Why creating/scaling/resuming a capacity results in putting the capacity into a suspended state?</a:t>
+            </a:r>
+          </a:p>
+        </p:txBody>
+      </p:sp>
+      <p:sp>
+        <p:nvSpPr>
+          <p:cNvPr id="6" name="Content Placeholder 5">
+            <a:extLst>
+              <a:ext uri="{FF2B5EF4-FFF2-40B4-BE49-F238E27FC236}">
+                <a16:creationId xmlns:a16="http://schemas.microsoft.com/office/drawing/2014/main" id="{414A8A90-6B3E-4638-AF81-F55AD56E5137}"/>
+              </a:ext>
+            </a:extLst>
+          </p:cNvPr>
+          <p:cNvSpPr>
+            <a:spLocks noGrp="1"/>
+          </p:cNvSpPr>
+          <p:nvPr>
+            <p:ph sz="quarter" idx="4"/>
+          </p:nvPr>
+        </p:nvSpPr>
+        <p:spPr>
+          <a:xfrm>
+            <a:off x="6172200" y="2505075"/>
+            <a:ext cx="5183188" cy="2179058"/>
+          </a:xfrm>
+        </p:spPr>
+        <p:txBody>
+          <a:bodyPr/>
+          <a:lstStyle/>
+          <a:p>
+            <a:r>
+              <a:rPr lang="en-US" sz="2400" dirty="0"/>
+              <a:t>The provisioning of a capacity (scale/resume/create) may fail. The caller of the provisioning call should check the </a:t>
+            </a:r>
+            <a:r>
+              <a:rPr lang="en-US" sz="2400" dirty="0" err="1"/>
+              <a:t>ProvisioningState</a:t>
+            </a:r>
+            <a:r>
+              <a:rPr lang="en-US" sz="2400" dirty="0"/>
+              <a:t> of a capacity using Get Details API: </a:t>
+            </a:r>
+            <a:r>
+              <a:rPr lang="en-US" sz="2400" u="sng" dirty="0">
+                <a:hlinkClick r:id="rId2"/>
+              </a:rPr>
+              <a:t>Capacities - Get Details</a:t>
+            </a:r>
+            <a:r>
+              <a:rPr lang="en-US" sz="2400" dirty="0"/>
+              <a:t>.</a:t>
+            </a:r>
+          </a:p>
+        </p:txBody>
+      </p:sp>
+    </p:spTree>
+    <p:extLst>
+      <p:ext uri="{BB962C8B-B14F-4D97-AF65-F5344CB8AC3E}">
+        <p14:creationId xmlns:p14="http://schemas.microsoft.com/office/powerpoint/2010/main" val="4107383393"/>
+      </p:ext>
+    </p:extLst>
+  </p:cSld>
+  <p:clrMapOvr>
+    <a:masterClrMapping/>
+  </p:clrMapOvr>
+</p:sld>
+</file>
+
+<file path=ppt/slides/slide14.xml><?xml version="1.0" encoding="utf-8"?>
+<p:sld xmlns:a="http://schemas.openxmlformats.org/drawingml/2006/main" xmlns:r="http://schemas.openxmlformats.org/officeDocument/2006/relationships" xmlns:p="http://schemas.openxmlformats.org/presentationml/2006/main">
+  <p:cSld>
+    <p:spTree>
+      <p:nvGrpSpPr>
+        <p:cNvPr id="1" name=""/>
+        <p:cNvGrpSpPr/>
+        <p:nvPr/>
+      </p:nvGrpSpPr>
+      <p:grpSpPr>
+        <a:xfrm>
+          <a:off x="0" y="0"/>
+          <a:ext cx="0" cy="0"/>
+          <a:chOff x="0" y="0"/>
+          <a:chExt cx="0" cy="0"/>
+        </a:xfrm>
+      </p:grpSpPr>
+      <p:sp>
+        <p:nvSpPr>
+          <p:cNvPr id="2" name="Title 1">
+            <a:extLst>
+              <a:ext uri="{FF2B5EF4-FFF2-40B4-BE49-F238E27FC236}">
+                <a16:creationId xmlns:a16="http://schemas.microsoft.com/office/drawing/2014/main" id="{DB6F782E-6DAC-4556-99EA-F8E38826AA3B}"/>
+              </a:ext>
+            </a:extLst>
+          </p:cNvPr>
+          <p:cNvSpPr>
+            <a:spLocks noGrp="1"/>
+          </p:cNvSpPr>
+          <p:nvPr>
+            <p:ph type="title"/>
+          </p:nvPr>
+        </p:nvSpPr>
+        <p:spPr/>
+        <p:txBody>
+          <a:bodyPr/>
+          <a:lstStyle/>
+          <a:p>
+            <a:r>
+              <a:rPr lang="en-US" dirty="0"/>
+              <a:t>FAQs</a:t>
+            </a:r>
+          </a:p>
+        </p:txBody>
+      </p:sp>
+      <p:sp>
+        <p:nvSpPr>
+          <p:cNvPr id="3" name="Text Placeholder 2">
+            <a:extLst>
+              <a:ext uri="{FF2B5EF4-FFF2-40B4-BE49-F238E27FC236}">
+                <a16:creationId xmlns:a16="http://schemas.microsoft.com/office/drawing/2014/main" id="{99F9221C-89D5-4175-830D-C8AFA39019C5}"/>
+              </a:ext>
+            </a:extLst>
+          </p:cNvPr>
+          <p:cNvSpPr>
+            <a:spLocks noGrp="1"/>
+          </p:cNvSpPr>
+          <p:nvPr>
+            <p:ph type="body" idx="1"/>
+          </p:nvPr>
+        </p:nvSpPr>
+        <p:spPr>
+          <a:xfrm>
+            <a:off x="839788" y="1655612"/>
+            <a:ext cx="5157787" cy="849463"/>
+          </a:xfrm>
+        </p:spPr>
+        <p:txBody>
+          <a:bodyPr/>
+          <a:lstStyle/>
+          <a:p>
+            <a:r>
+              <a:rPr lang="en-US" dirty="0"/>
+              <a:t>Can I only create Power BI Embedded capacities in a specific region?</a:t>
+            </a:r>
+          </a:p>
+        </p:txBody>
+      </p:sp>
+      <p:sp>
+        <p:nvSpPr>
+          <p:cNvPr id="4" name="Content Placeholder 3">
+            <a:extLst>
+              <a:ext uri="{FF2B5EF4-FFF2-40B4-BE49-F238E27FC236}">
+                <a16:creationId xmlns:a16="http://schemas.microsoft.com/office/drawing/2014/main" id="{BAF1F0B4-0A77-4C14-B467-20AA9CDA8BEC}"/>
+              </a:ext>
+            </a:extLst>
+          </p:cNvPr>
+          <p:cNvSpPr>
+            <a:spLocks noGrp="1"/>
+          </p:cNvSpPr>
+          <p:nvPr>
+            <p:ph sz="half" idx="2"/>
+          </p:nvPr>
+        </p:nvSpPr>
+        <p:spPr>
+          <a:xfrm>
+            <a:off x="839788" y="2505075"/>
+            <a:ext cx="5157787" cy="1846659"/>
+          </a:xfrm>
+        </p:spPr>
+        <p:txBody>
+          <a:bodyPr/>
+          <a:lstStyle/>
+          <a:p>
+            <a:r>
+              <a:rPr lang="en-US" sz="2400" dirty="0">
+                <a:solidFill>
+                  <a:schemeClr val="tx1"/>
+                </a:solidFill>
+              </a:rPr>
+              <a:t>With the </a:t>
+            </a:r>
+            <a:r>
+              <a:rPr lang="en-US" sz="2400" u="sng" dirty="0">
+                <a:solidFill>
+                  <a:schemeClr val="tx1"/>
+                </a:solidFill>
+                <a:hlinkClick r:id="rId2">
+                  <a:extLst>
+                    <a:ext uri="{A12FA001-AC4F-418D-AE19-62706E023703}">
+                      <ahyp:hlinkClr xmlns:ahyp="http://schemas.microsoft.com/office/drawing/2018/hyperlinkcolor" val="tx"/>
+                    </a:ext>
+                  </a:extLst>
+                </a:hlinkClick>
+              </a:rPr>
+              <a:t>Multi-geo (Preview)</a:t>
+            </a:r>
+            <a:r>
+              <a:rPr lang="en-US" sz="2400" dirty="0">
+                <a:solidFill>
+                  <a:schemeClr val="tx1"/>
+                </a:solidFill>
+              </a:rPr>
+              <a:t> feature, you can purchase a </a:t>
+            </a:r>
+            <a:r>
+              <a:rPr lang="en-US" sz="2400" u="sng" dirty="0">
+                <a:solidFill>
+                  <a:schemeClr val="tx1"/>
+                </a:solidFill>
+                <a:hlinkClick r:id="rId3">
+                  <a:extLst>
+                    <a:ext uri="{A12FA001-AC4F-418D-AE19-62706E023703}">
+                      <ahyp:hlinkClr xmlns:ahyp="http://schemas.microsoft.com/office/drawing/2018/hyperlinkcolor" val="tx"/>
+                    </a:ext>
+                  </a:extLst>
+                </a:hlinkClick>
+              </a:rPr>
+              <a:t>Power BI Embedded capacity</a:t>
+            </a:r>
+            <a:r>
+              <a:rPr lang="en-US" sz="2400" dirty="0">
+                <a:solidFill>
+                  <a:schemeClr val="tx1"/>
+                </a:solidFill>
+              </a:rPr>
+              <a:t> in a different region than your Power BI home tenant location</a:t>
+            </a:r>
+          </a:p>
+        </p:txBody>
+      </p:sp>
+      <p:sp>
+        <p:nvSpPr>
+          <p:cNvPr id="5" name="Text Placeholder 4">
+            <a:extLst>
+              <a:ext uri="{FF2B5EF4-FFF2-40B4-BE49-F238E27FC236}">
+                <a16:creationId xmlns:a16="http://schemas.microsoft.com/office/drawing/2014/main" id="{463C2CDF-1085-4446-8E82-98CDE79A5AE2}"/>
+              </a:ext>
+            </a:extLst>
+          </p:cNvPr>
+          <p:cNvSpPr>
+            <a:spLocks noGrp="1"/>
+          </p:cNvSpPr>
+          <p:nvPr>
+            <p:ph type="body" sz="quarter" idx="3"/>
+          </p:nvPr>
+        </p:nvSpPr>
+        <p:spPr>
+          <a:xfrm>
+            <a:off x="6172200" y="1655612"/>
+            <a:ext cx="5183188" cy="849463"/>
+          </a:xfrm>
+        </p:spPr>
+        <p:txBody>
+          <a:bodyPr/>
+          <a:lstStyle/>
+          <a:p>
+            <a:r>
+              <a:rPr lang="en-US" dirty="0"/>
+              <a:t>How can I find what is my PBI tenant region?</a:t>
+            </a:r>
+          </a:p>
+        </p:txBody>
+      </p:sp>
+      <p:sp>
+        <p:nvSpPr>
+          <p:cNvPr id="6" name="Content Placeholder 5">
+            <a:extLst>
+              <a:ext uri="{FF2B5EF4-FFF2-40B4-BE49-F238E27FC236}">
+                <a16:creationId xmlns:a16="http://schemas.microsoft.com/office/drawing/2014/main" id="{C263C2B0-9F80-43F5-91A7-5B701ED6757D}"/>
+              </a:ext>
+            </a:extLst>
+          </p:cNvPr>
+          <p:cNvSpPr>
+            <a:spLocks noGrp="1"/>
+          </p:cNvSpPr>
+          <p:nvPr>
+            <p:ph sz="quarter" idx="4"/>
+          </p:nvPr>
+        </p:nvSpPr>
+        <p:spPr>
+          <a:xfrm>
+            <a:off x="6172200" y="2505075"/>
+            <a:ext cx="5183188" cy="2326791"/>
+          </a:xfrm>
+        </p:spPr>
+        <p:txBody>
+          <a:bodyPr/>
+          <a:lstStyle/>
+          <a:p>
+            <a:r>
+              <a:rPr lang="en-US" sz="2400" dirty="0">
+                <a:solidFill>
+                  <a:schemeClr val="tx1"/>
+                </a:solidFill>
+              </a:rPr>
+              <a:t>You can use the PBI portal to understand what is your PBI Tenant region.</a:t>
+            </a:r>
+          </a:p>
+          <a:p>
+            <a:r>
+              <a:rPr lang="en-US" sz="2400" u="sng" dirty="0">
+                <a:solidFill>
+                  <a:schemeClr val="tx1"/>
+                </a:solidFill>
+                <a:hlinkClick r:id="rId4">
+                  <a:extLst>
+                    <a:ext uri="{A12FA001-AC4F-418D-AE19-62706E023703}">
+                      <ahyp:hlinkClr xmlns:ahyp="http://schemas.microsoft.com/office/drawing/2018/hyperlinkcolor" val="tx"/>
+                    </a:ext>
+                  </a:extLst>
+                </a:hlinkClick>
+              </a:rPr>
+              <a:t>https://app.powerbi.com/</a:t>
+            </a:r>
+            <a:r>
+              <a:rPr lang="en-US" sz="2400" dirty="0">
+                <a:solidFill>
+                  <a:schemeClr val="tx1"/>
+                </a:solidFill>
+              </a:rPr>
+              <a:t> &gt; ? &gt; About Power BI</a:t>
+            </a:r>
+          </a:p>
+          <a:p>
+            <a:endParaRPr lang="en-US" sz="2400" dirty="0">
+              <a:solidFill>
+                <a:schemeClr val="tx1"/>
+              </a:solidFill>
+            </a:endParaRPr>
+          </a:p>
+        </p:txBody>
+      </p:sp>
+      <p:pic>
+        <p:nvPicPr>
+          <p:cNvPr id="1026" name="Picture 2" descr="Tenant region">
+            <a:extLst>
+              <a:ext uri="{FF2B5EF4-FFF2-40B4-BE49-F238E27FC236}">
+                <a16:creationId xmlns:a16="http://schemas.microsoft.com/office/drawing/2014/main" id="{7608869F-ECCE-4716-83BB-C236B3A5F207}"/>
+              </a:ext>
+            </a:extLst>
+          </p:cNvPr>
+          <p:cNvPicPr>
+            <a:picLocks noChangeAspect="1" noChangeArrowheads="1"/>
+          </p:cNvPicPr>
+          <p:nvPr/>
+        </p:nvPicPr>
+        <p:blipFill>
+          <a:blip r:embed="rId5">
+            <a:extLst>
+              <a:ext uri="{28A0092B-C50C-407E-A947-70E740481C1C}">
+                <a14:useLocalDpi xmlns:a14="http://schemas.microsoft.com/office/drawing/2010/main" val="0"/>
+              </a:ext>
+            </a:extLst>
+          </a:blip>
+          <a:srcRect/>
+          <a:stretch>
+            <a:fillRect/>
+          </a:stretch>
+        </p:blipFill>
+        <p:spPr bwMode="auto">
+          <a:xfrm>
+            <a:off x="6096000" y="4534052"/>
+            <a:ext cx="5259387" cy="1706170"/>
+          </a:xfrm>
+          <a:prstGeom prst="rect">
+            <a:avLst/>
+          </a:prstGeom>
+          <a:noFill/>
+          <a:extLst>
+            <a:ext uri="{909E8E84-426E-40DD-AFC4-6F175D3DCCD1}">
+              <a14:hiddenFill xmlns:a14="http://schemas.microsoft.com/office/drawing/2010/main">
+                <a:solidFill>
+                  <a:srgbClr val="FFFFFF"/>
+                </a:solidFill>
+              </a14:hiddenFill>
+            </a:ext>
+          </a:extLst>
+        </p:spPr>
+      </p:pic>
+    </p:spTree>
+    <p:extLst>
+      <p:ext uri="{BB962C8B-B14F-4D97-AF65-F5344CB8AC3E}">
+        <p14:creationId xmlns:p14="http://schemas.microsoft.com/office/powerpoint/2010/main" val="3670567240"/>
+      </p:ext>
+    </p:extLst>
+  </p:cSld>
+  <p:clrMapOvr>
+    <a:masterClrMapping/>
+  </p:clrMapOvr>
+</p:sld>
+</file>
+
+<file path=ppt/slides/slide15.xml><?xml version="1.0" encoding="utf-8"?>
+<p:sld xmlns:a="http://schemas.openxmlformats.org/drawingml/2006/main" xmlns:r="http://schemas.openxmlformats.org/officeDocument/2006/relationships" xmlns:p="http://schemas.openxmlformats.org/presentationml/2006/main">
+  <p:cSld>
+    <p:spTree>
+      <p:nvGrpSpPr>
+        <p:cNvPr id="1" name=""/>
+        <p:cNvGrpSpPr/>
+        <p:nvPr/>
+      </p:nvGrpSpPr>
+      <p:grpSpPr>
+        <a:xfrm>
+          <a:off x="0" y="0"/>
+          <a:ext cx="0" cy="0"/>
+          <a:chOff x="0" y="0"/>
+          <a:chExt cx="0" cy="0"/>
+        </a:xfrm>
+      </p:grpSpPr>
+      <p:sp>
+        <p:nvSpPr>
+          <p:cNvPr id="2" name="Title 1">
+            <a:extLst>
+              <a:ext uri="{FF2B5EF4-FFF2-40B4-BE49-F238E27FC236}">
+                <a16:creationId xmlns:a16="http://schemas.microsoft.com/office/drawing/2014/main" id="{E80F4814-B2D1-4CB3-A8FF-6414E77AE444}"/>
+              </a:ext>
+            </a:extLst>
+          </p:cNvPr>
+          <p:cNvSpPr>
+            <a:spLocks noGrp="1"/>
+          </p:cNvSpPr>
+          <p:nvPr>
+            <p:ph type="title"/>
+          </p:nvPr>
+        </p:nvSpPr>
+        <p:spPr/>
+        <p:txBody>
+          <a:bodyPr/>
+          <a:lstStyle/>
+          <a:p>
+            <a:r>
+              <a:rPr lang="en-US" dirty="0"/>
+              <a:t>FAQs</a:t>
+            </a:r>
+          </a:p>
+        </p:txBody>
+      </p:sp>
+      <p:sp>
+        <p:nvSpPr>
+          <p:cNvPr id="3" name="Text Placeholder 2">
+            <a:extLst>
+              <a:ext uri="{FF2B5EF4-FFF2-40B4-BE49-F238E27FC236}">
+                <a16:creationId xmlns:a16="http://schemas.microsoft.com/office/drawing/2014/main" id="{D028B526-342D-468F-AF82-E176FE37FC04}"/>
+              </a:ext>
+            </a:extLst>
+          </p:cNvPr>
+          <p:cNvSpPr>
+            <a:spLocks noGrp="1"/>
+          </p:cNvSpPr>
+          <p:nvPr>
+            <p:ph type="body" idx="1"/>
+          </p:nvPr>
+        </p:nvSpPr>
+        <p:spPr>
+          <a:xfrm>
+            <a:off x="839788" y="1655612"/>
+            <a:ext cx="5157787" cy="849463"/>
+          </a:xfrm>
+        </p:spPr>
+        <p:txBody>
+          <a:bodyPr/>
+          <a:lstStyle/>
+          <a:p>
+            <a:r>
+              <a:rPr lang="en-US" dirty="0"/>
+              <a:t>What is supported by the Cloud Solution Provider (CSP) channel?</a:t>
+            </a:r>
+          </a:p>
+        </p:txBody>
+      </p:sp>
+      <p:sp>
+        <p:nvSpPr>
+          <p:cNvPr id="4" name="Content Placeholder 3">
+            <a:extLst>
+              <a:ext uri="{FF2B5EF4-FFF2-40B4-BE49-F238E27FC236}">
+                <a16:creationId xmlns:a16="http://schemas.microsoft.com/office/drawing/2014/main" id="{0539BDF0-2CFB-44E4-A068-C840169FBD4C}"/>
+              </a:ext>
+            </a:extLst>
+          </p:cNvPr>
+          <p:cNvSpPr>
+            <a:spLocks noGrp="1"/>
+          </p:cNvSpPr>
+          <p:nvPr>
+            <p:ph sz="half" idx="2"/>
+          </p:nvPr>
+        </p:nvSpPr>
+        <p:spPr>
+          <a:xfrm>
+            <a:off x="839788" y="2505075"/>
+            <a:ext cx="5157787" cy="2585323"/>
+          </a:xfrm>
+        </p:spPr>
+        <p:txBody>
+          <a:bodyPr/>
+          <a:lstStyle/>
+          <a:p>
+            <a:r>
+              <a:rPr lang="en-US" sz="2400" dirty="0"/>
+              <a:t>You can create PBIE for your tenant with subscription type CSP</a:t>
+            </a:r>
+          </a:p>
+          <a:p>
+            <a:r>
+              <a:rPr lang="en-US" sz="2400" dirty="0"/>
+              <a:t>Partner account can sign in to customer tenant and purchase PBIE for customer tenant, specify customer tenant user as Power BI capacity admin</a:t>
+            </a:r>
+          </a:p>
+        </p:txBody>
+      </p:sp>
+      <p:sp>
+        <p:nvSpPr>
+          <p:cNvPr id="5" name="Text Placeholder 4">
+            <a:extLst>
+              <a:ext uri="{FF2B5EF4-FFF2-40B4-BE49-F238E27FC236}">
+                <a16:creationId xmlns:a16="http://schemas.microsoft.com/office/drawing/2014/main" id="{E072808D-48BA-4D4D-BD46-108973979949}"/>
+              </a:ext>
+            </a:extLst>
+          </p:cNvPr>
+          <p:cNvSpPr>
+            <a:spLocks noGrp="1"/>
+          </p:cNvSpPr>
+          <p:nvPr>
+            <p:ph type="body" sz="quarter" idx="3"/>
+          </p:nvPr>
+        </p:nvSpPr>
+        <p:spPr>
+          <a:xfrm>
+            <a:off x="6172200" y="1655612"/>
+            <a:ext cx="5183188" cy="849463"/>
+          </a:xfrm>
+        </p:spPr>
+        <p:txBody>
+          <a:bodyPr/>
+          <a:lstStyle/>
+          <a:p>
+            <a:r>
+              <a:rPr lang="en-US" dirty="0"/>
+              <a:t>Why do I get an unsupported account message?</a:t>
+            </a:r>
+          </a:p>
+        </p:txBody>
+      </p:sp>
+      <p:sp>
+        <p:nvSpPr>
+          <p:cNvPr id="6" name="Content Placeholder 5">
+            <a:extLst>
+              <a:ext uri="{FF2B5EF4-FFF2-40B4-BE49-F238E27FC236}">
+                <a16:creationId xmlns:a16="http://schemas.microsoft.com/office/drawing/2014/main" id="{211A6E36-FB24-46B0-86E3-7E8A0F0B2B48}"/>
+              </a:ext>
+            </a:extLst>
+          </p:cNvPr>
+          <p:cNvSpPr>
+            <a:spLocks noGrp="1"/>
+          </p:cNvSpPr>
+          <p:nvPr>
+            <p:ph sz="quarter" idx="4"/>
+          </p:nvPr>
+        </p:nvSpPr>
+        <p:spPr>
+          <a:xfrm>
+            <a:off x="6172200" y="2505075"/>
+            <a:ext cx="5183188" cy="1846659"/>
+          </a:xfrm>
+        </p:spPr>
+        <p:txBody>
+          <a:bodyPr/>
+          <a:lstStyle/>
+          <a:p>
+            <a:r>
+              <a:rPr lang="en-US" sz="2400" dirty="0"/>
+              <a:t>Power BI requires you to sign up with an organizational account. Trying to sign up for Power BI using an MSA (Microsoft account) isn't supported.</a:t>
+            </a:r>
+          </a:p>
+        </p:txBody>
+      </p:sp>
+    </p:spTree>
+    <p:extLst>
+      <p:ext uri="{BB962C8B-B14F-4D97-AF65-F5344CB8AC3E}">
+        <p14:creationId xmlns:p14="http://schemas.microsoft.com/office/powerpoint/2010/main" val="1464000764"/>
+      </p:ext>
+    </p:extLst>
+  </p:cSld>
+  <p:clrMapOvr>
+    <a:masterClrMapping/>
+  </p:clrMapOvr>
+</p:sld>
+</file>
+
+<file path=ppt/slides/slide16.xml><?xml version="1.0" encoding="utf-8"?>
+<p:sld xmlns:a="http://schemas.openxmlformats.org/drawingml/2006/main" xmlns:r="http://schemas.openxmlformats.org/officeDocument/2006/relationships" xmlns:p="http://schemas.openxmlformats.org/presentationml/2006/main">
+  <p:cSld>
+    <p:spTree>
+      <p:nvGrpSpPr>
+        <p:cNvPr id="1" name=""/>
+        <p:cNvGrpSpPr/>
+        <p:nvPr/>
+      </p:nvGrpSpPr>
+      <p:grpSpPr>
+        <a:xfrm>
+          <a:off x="0" y="0"/>
+          <a:ext cx="0" cy="0"/>
+          <a:chOff x="0" y="0"/>
+          <a:chExt cx="0" cy="0"/>
+        </a:xfrm>
+      </p:grpSpPr>
+      <p:sp>
+        <p:nvSpPr>
+          <p:cNvPr id="2" name="Title 1">
+            <a:extLst>
+              <a:ext uri="{FF2B5EF4-FFF2-40B4-BE49-F238E27FC236}">
+                <a16:creationId xmlns:a16="http://schemas.microsoft.com/office/drawing/2014/main" id="{C7D59550-5D53-4584-91DE-76F08B85DE22}"/>
+              </a:ext>
+            </a:extLst>
+          </p:cNvPr>
+          <p:cNvSpPr>
+            <a:spLocks noGrp="1"/>
+          </p:cNvSpPr>
+          <p:nvPr>
+            <p:ph type="title"/>
+          </p:nvPr>
+        </p:nvSpPr>
+        <p:spPr/>
+        <p:txBody>
+          <a:bodyPr/>
+          <a:lstStyle/>
+          <a:p>
+            <a:r>
+              <a:rPr lang="en-US" dirty="0"/>
+              <a:t>FAQs</a:t>
+            </a:r>
+          </a:p>
+        </p:txBody>
+      </p:sp>
+      <p:sp>
+        <p:nvSpPr>
+          <p:cNvPr id="3" name="Text Placeholder 2">
+            <a:extLst>
+              <a:ext uri="{FF2B5EF4-FFF2-40B4-BE49-F238E27FC236}">
+                <a16:creationId xmlns:a16="http://schemas.microsoft.com/office/drawing/2014/main" id="{919B353D-2D7C-41DB-91AC-625BD222F774}"/>
+              </a:ext>
+            </a:extLst>
+          </p:cNvPr>
+          <p:cNvSpPr>
+            <a:spLocks noGrp="1"/>
+          </p:cNvSpPr>
+          <p:nvPr>
+            <p:ph type="body" idx="1"/>
+          </p:nvPr>
+        </p:nvSpPr>
+        <p:spPr>
+          <a:xfrm>
+            <a:off x="839788" y="1655612"/>
+            <a:ext cx="5157787" cy="849463"/>
+          </a:xfrm>
+        </p:spPr>
+        <p:txBody>
+          <a:bodyPr/>
+          <a:lstStyle/>
+          <a:p>
+            <a:r>
+              <a:rPr lang="en-US" dirty="0"/>
+              <a:t>Can I use APIs to create &amp; manage Azure capacities?</a:t>
+            </a:r>
+          </a:p>
+        </p:txBody>
+      </p:sp>
+      <p:sp>
+        <p:nvSpPr>
+          <p:cNvPr id="4" name="Content Placeholder 3">
+            <a:extLst>
+              <a:ext uri="{FF2B5EF4-FFF2-40B4-BE49-F238E27FC236}">
+                <a16:creationId xmlns:a16="http://schemas.microsoft.com/office/drawing/2014/main" id="{EFBFFF5B-3D20-4211-8738-02CC44C524E1}"/>
+              </a:ext>
+            </a:extLst>
+          </p:cNvPr>
+          <p:cNvSpPr>
+            <a:spLocks noGrp="1"/>
+          </p:cNvSpPr>
+          <p:nvPr>
+            <p:ph sz="half" idx="2"/>
+          </p:nvPr>
+        </p:nvSpPr>
+        <p:spPr>
+          <a:xfrm>
+            <a:off x="839788" y="2505075"/>
+            <a:ext cx="5157787" cy="2682273"/>
+          </a:xfrm>
+        </p:spPr>
+        <p:txBody>
+          <a:bodyPr/>
+          <a:lstStyle/>
+          <a:p>
+            <a:r>
+              <a:rPr lang="en-US" sz="2400" dirty="0">
+                <a:solidFill>
+                  <a:schemeClr val="tx1"/>
+                </a:solidFill>
+              </a:rPr>
+              <a:t>Yes, there are </a:t>
+            </a:r>
+            <a:r>
+              <a:rPr lang="en-US" sz="2400" dirty="0" err="1">
+                <a:solidFill>
+                  <a:schemeClr val="tx1"/>
+                </a:solidFill>
+              </a:rPr>
+              <a:t>Powershell</a:t>
+            </a:r>
+            <a:r>
+              <a:rPr lang="en-US" sz="2400" dirty="0">
+                <a:solidFill>
+                  <a:schemeClr val="tx1"/>
+                </a:solidFill>
+              </a:rPr>
+              <a:t> cmdlets and Azure Resource Manager APIs you can use to create &amp; manage PBIE resources.</a:t>
+            </a:r>
+          </a:p>
+          <a:p>
+            <a:pPr lvl="1"/>
+            <a:r>
+              <a:rPr lang="en-US" sz="1600" dirty="0">
+                <a:solidFill>
+                  <a:schemeClr val="tx1"/>
+                </a:solidFill>
+              </a:rPr>
+              <a:t>Rest APIs </a:t>
+            </a:r>
+          </a:p>
+          <a:p>
+            <a:pPr lvl="2"/>
+            <a:r>
+              <a:rPr lang="en-US" sz="1050" dirty="0">
+                <a:solidFill>
+                  <a:schemeClr val="tx1"/>
+                </a:solidFill>
+                <a:hlinkClick r:id="rId2">
+                  <a:extLst>
+                    <a:ext uri="{A12FA001-AC4F-418D-AE19-62706E023703}">
+                      <ahyp:hlinkClr xmlns:ahyp="http://schemas.microsoft.com/office/drawing/2018/hyperlinkcolor" val="tx"/>
+                    </a:ext>
+                  </a:extLst>
+                </a:hlinkClick>
+              </a:rPr>
+              <a:t>ht</a:t>
+            </a:r>
+            <a:r>
+              <a:rPr lang="en-US" sz="1050" dirty="0">
+                <a:solidFill>
+                  <a:schemeClr val="tx1"/>
+                </a:solidFill>
+                <a:hlinkClick r:id="rId2">
+                  <a:extLst>
+                    <a:ext uri="{A12FA001-AC4F-418D-AE19-62706E023703}">
+                      <ahyp:hlinkClr xmlns:ahyp="http://schemas.microsoft.com/office/drawing/2018/hyperlinkcolor" val="tx"/>
+                    </a:ext>
+                  </a:extLst>
+                </a:hlinkClick>
+              </a:rPr>
+              <a:t>tps://docs.microsoft.com/rest/api/power-bi-embedded/</a:t>
+            </a:r>
+            <a:endParaRPr lang="en-US" sz="1600" dirty="0">
+              <a:solidFill>
+                <a:schemeClr val="tx1"/>
+              </a:solidFill>
+            </a:endParaRPr>
+          </a:p>
+          <a:p>
+            <a:pPr lvl="1"/>
+            <a:r>
+              <a:rPr lang="en-US" sz="1600" dirty="0" err="1">
+                <a:solidFill>
+                  <a:schemeClr val="tx1"/>
+                </a:solidFill>
+              </a:rPr>
+              <a:t>Powershell</a:t>
+            </a:r>
+            <a:r>
+              <a:rPr lang="en-US" sz="1600" dirty="0">
+                <a:solidFill>
+                  <a:schemeClr val="tx1"/>
+                </a:solidFill>
+              </a:rPr>
+              <a:t> cmdlet</a:t>
+            </a:r>
+          </a:p>
+          <a:p>
+            <a:pPr lvl="2"/>
+            <a:r>
+              <a:rPr lang="en-US" sz="1050" dirty="0">
+                <a:solidFill>
+                  <a:schemeClr val="tx1"/>
+                </a:solidFill>
+                <a:hlinkClick r:id="rId3">
+                  <a:extLst>
+                    <a:ext uri="{A12FA001-AC4F-418D-AE19-62706E023703}">
+                      <ahyp:hlinkClr xmlns:ahyp="http://schemas.microsoft.com/office/drawing/2018/hyperlinkcolor" val="tx"/>
+                    </a:ext>
+                  </a:extLst>
+                </a:hlinkClick>
+              </a:rPr>
+              <a:t>https://docs.microsoft.com/powershell/module/azurerm.powerbiembedded/</a:t>
+            </a:r>
+            <a:endParaRPr lang="en-US" sz="1050" dirty="0">
+              <a:solidFill>
+                <a:schemeClr val="tx1"/>
+              </a:solidFill>
+            </a:endParaRPr>
+          </a:p>
+          <a:p>
+            <a:pPr lvl="1"/>
+            <a:endParaRPr lang="en-US" sz="832" dirty="0"/>
+          </a:p>
+        </p:txBody>
+      </p:sp>
+      <p:sp>
+        <p:nvSpPr>
+          <p:cNvPr id="5" name="Text Placeholder 4">
+            <a:extLst>
+              <a:ext uri="{FF2B5EF4-FFF2-40B4-BE49-F238E27FC236}">
+                <a16:creationId xmlns:a16="http://schemas.microsoft.com/office/drawing/2014/main" id="{D5EDDEEA-FA66-446A-8797-B066D6FF890A}"/>
+              </a:ext>
+            </a:extLst>
+          </p:cNvPr>
+          <p:cNvSpPr>
+            <a:spLocks noGrp="1"/>
+          </p:cNvSpPr>
+          <p:nvPr>
+            <p:ph type="body" sz="quarter" idx="3"/>
+          </p:nvPr>
+        </p:nvSpPr>
+        <p:spPr>
+          <a:xfrm>
+            <a:off x="6172200" y="1655612"/>
+            <a:ext cx="5183188" cy="849463"/>
+          </a:xfrm>
+        </p:spPr>
+        <p:txBody>
+          <a:bodyPr/>
+          <a:lstStyle/>
+          <a:p>
+            <a:r>
+              <a:rPr lang="en-US" dirty="0"/>
+              <a:t>What is the difference between using RLS vs. JavaScript filters?</a:t>
+            </a:r>
+          </a:p>
+        </p:txBody>
+      </p:sp>
+      <p:sp>
+        <p:nvSpPr>
+          <p:cNvPr id="6" name="Content Placeholder 5">
+            <a:extLst>
+              <a:ext uri="{FF2B5EF4-FFF2-40B4-BE49-F238E27FC236}">
+                <a16:creationId xmlns:a16="http://schemas.microsoft.com/office/drawing/2014/main" id="{C7D8060F-6E76-4936-AB75-29905F55FABC}"/>
+              </a:ext>
+            </a:extLst>
+          </p:cNvPr>
+          <p:cNvSpPr>
+            <a:spLocks noGrp="1"/>
+          </p:cNvSpPr>
+          <p:nvPr>
+            <p:ph sz="quarter" idx="4"/>
+          </p:nvPr>
+        </p:nvSpPr>
+        <p:spPr>
+          <a:xfrm>
+            <a:off x="6172200" y="2505075"/>
+            <a:ext cx="5183188" cy="3804118"/>
+          </a:xfrm>
+        </p:spPr>
+        <p:txBody>
+          <a:bodyPr/>
+          <a:lstStyle/>
+          <a:p>
+            <a:r>
+              <a:rPr lang="en-US" sz="1400" dirty="0">
+                <a:solidFill>
+                  <a:schemeClr val="tx1"/>
+                </a:solidFill>
+              </a:rPr>
+              <a:t>There’s often confusion around when to use RLS vs. JavaScript filters, because one method is about controlling what a specific user can see, and the other is about optimizing the user's view.</a:t>
+            </a:r>
+          </a:p>
+          <a:p>
+            <a:r>
+              <a:rPr lang="en-US" sz="1400" dirty="0">
+                <a:solidFill>
+                  <a:schemeClr val="tx1"/>
+                </a:solidFill>
+              </a:rPr>
+              <a:t>For RLS, the ISV developer controls the data filtering as part of the model creation and embed token generation. The end user sees only what the ISV allows the user to see. In this case, the user can choose to see less than what's being filtered, but won’t be able to bypass the RLS configuration and see more than what's allowed.</a:t>
+            </a:r>
+          </a:p>
+          <a:p>
+            <a:r>
+              <a:rPr lang="en-US" sz="1400" dirty="0">
+                <a:solidFill>
+                  <a:schemeClr val="tx1"/>
+                </a:solidFill>
+              </a:rPr>
+              <a:t>For client-side filtering (JavaScript), the ISV might decide what the end user sees at the initial view, but the ISV cannot control changes the end user might apply to the view itself. Even though data filtering can happen on the backend, it’s triggered by the JavaScript client code, and therefore it can be changed by an end user, and cannot be considered secure.</a:t>
+            </a:r>
+          </a:p>
+          <a:p>
+            <a:r>
+              <a:rPr lang="en-US" sz="1400" dirty="0">
+                <a:solidFill>
+                  <a:schemeClr val="tx1"/>
+                </a:solidFill>
+              </a:rPr>
+              <a:t>Reference </a:t>
+            </a:r>
+            <a:r>
+              <a:rPr lang="en-US" sz="1400" u="sng" dirty="0">
+                <a:solidFill>
+                  <a:schemeClr val="tx1"/>
+                </a:solidFill>
+                <a:hlinkClick r:id="rId4">
+                  <a:extLst>
+                    <a:ext uri="{A12FA001-AC4F-418D-AE19-62706E023703}">
+                      <ahyp:hlinkClr xmlns:ahyp="http://schemas.microsoft.com/office/drawing/2018/hyperlinkcolor" val="tx"/>
+                    </a:ext>
+                  </a:extLst>
+                </a:hlinkClick>
+              </a:rPr>
+              <a:t>RLS vs JavaScript filters</a:t>
+            </a:r>
+            <a:r>
+              <a:rPr lang="en-US" sz="1400" dirty="0">
+                <a:solidFill>
+                  <a:schemeClr val="tx1"/>
+                </a:solidFill>
+              </a:rPr>
+              <a:t> for more details.</a:t>
+            </a:r>
+          </a:p>
+        </p:txBody>
+      </p:sp>
+    </p:spTree>
+    <p:extLst>
+      <p:ext uri="{BB962C8B-B14F-4D97-AF65-F5344CB8AC3E}">
+        <p14:creationId xmlns:p14="http://schemas.microsoft.com/office/powerpoint/2010/main" val="3194949384"/>
+      </p:ext>
+    </p:extLst>
+  </p:cSld>
+  <p:clrMapOvr>
+    <a:masterClrMapping/>
+  </p:clrMapOvr>
+</p:sld>
+</file>
+
+<file path=ppt/slides/slide17.xml><?xml version="1.0" encoding="utf-8"?>
+<p:sld xmlns:a="http://schemas.openxmlformats.org/drawingml/2006/main" xmlns:r="http://schemas.openxmlformats.org/officeDocument/2006/relationships" xmlns:p="http://schemas.openxmlformats.org/presentationml/2006/main">
+  <p:cSld>
+    <p:spTree>
+      <p:nvGrpSpPr>
+        <p:cNvPr id="1" name=""/>
+        <p:cNvGrpSpPr/>
+        <p:nvPr/>
+      </p:nvGrpSpPr>
+      <p:grpSpPr>
+        <a:xfrm>
+          <a:off x="0" y="0"/>
+          <a:ext cx="0" cy="0"/>
+          <a:chOff x="0" y="0"/>
+          <a:chExt cx="0" cy="0"/>
+        </a:xfrm>
+      </p:grpSpPr>
+      <p:sp>
+        <p:nvSpPr>
+          <p:cNvPr id="2" name="Title 1">
+            <a:extLst>
+              <a:ext uri="{FF2B5EF4-FFF2-40B4-BE49-F238E27FC236}">
+                <a16:creationId xmlns:a16="http://schemas.microsoft.com/office/drawing/2014/main" id="{419128B1-2C9A-4877-A916-041C7DD01AA1}"/>
+              </a:ext>
+            </a:extLst>
+          </p:cNvPr>
+          <p:cNvSpPr>
+            <a:spLocks noGrp="1"/>
+          </p:cNvSpPr>
+          <p:nvPr>
+            <p:ph type="title"/>
+          </p:nvPr>
+        </p:nvSpPr>
+        <p:spPr/>
+        <p:txBody>
+          <a:bodyPr/>
+          <a:lstStyle/>
+          <a:p>
+            <a:r>
+              <a:rPr lang="en-US" dirty="0"/>
+              <a:t>FAQs</a:t>
+            </a:r>
+          </a:p>
+        </p:txBody>
+      </p:sp>
+      <p:sp>
+        <p:nvSpPr>
+          <p:cNvPr id="3" name="Text Placeholder 2">
+            <a:extLst>
+              <a:ext uri="{FF2B5EF4-FFF2-40B4-BE49-F238E27FC236}">
+                <a16:creationId xmlns:a16="http://schemas.microsoft.com/office/drawing/2014/main" id="{29A5645E-EEF3-4E42-A4AD-59240C654A88}"/>
+              </a:ext>
+            </a:extLst>
+          </p:cNvPr>
+          <p:cNvSpPr>
+            <a:spLocks noGrp="1"/>
+          </p:cNvSpPr>
+          <p:nvPr>
+            <p:ph type="body" idx="1"/>
+          </p:nvPr>
+        </p:nvSpPr>
+        <p:spPr>
+          <a:xfrm>
+            <a:off x="839788" y="1655612"/>
+            <a:ext cx="5157787" cy="849463"/>
+          </a:xfrm>
+        </p:spPr>
+        <p:txBody>
+          <a:bodyPr/>
+          <a:lstStyle/>
+          <a:p>
+            <a:r>
+              <a:rPr lang="en-US" dirty="0"/>
+              <a:t>When to use an application ID vs. a service principal object ID?</a:t>
+            </a:r>
+          </a:p>
+        </p:txBody>
+      </p:sp>
+      <p:sp>
+        <p:nvSpPr>
+          <p:cNvPr id="4" name="Content Placeholder 3">
+            <a:extLst>
+              <a:ext uri="{FF2B5EF4-FFF2-40B4-BE49-F238E27FC236}">
+                <a16:creationId xmlns:a16="http://schemas.microsoft.com/office/drawing/2014/main" id="{62383946-CC48-4F39-87EB-7EDDAF3F2E3B}"/>
+              </a:ext>
+            </a:extLst>
+          </p:cNvPr>
+          <p:cNvSpPr>
+            <a:spLocks noGrp="1"/>
+          </p:cNvSpPr>
+          <p:nvPr>
+            <p:ph sz="half" idx="2"/>
+          </p:nvPr>
+        </p:nvSpPr>
+        <p:spPr>
+          <a:xfrm>
+            <a:off x="839788" y="2505075"/>
+            <a:ext cx="5157787" cy="3250121"/>
+          </a:xfrm>
+        </p:spPr>
+        <p:txBody>
+          <a:bodyPr/>
+          <a:lstStyle/>
+          <a:p>
+            <a:r>
+              <a:rPr lang="en-US" sz="2400" dirty="0">
+                <a:solidFill>
+                  <a:schemeClr val="tx1"/>
+                </a:solidFill>
+              </a:rPr>
+              <a:t>The </a:t>
+            </a:r>
+            <a:r>
+              <a:rPr lang="en-US" sz="2400" b="1" u="sng" dirty="0">
+                <a:solidFill>
+                  <a:schemeClr val="tx1"/>
+                </a:solidFill>
+                <a:hlinkClick r:id="rId2">
+                  <a:extLst>
+                    <a:ext uri="{A12FA001-AC4F-418D-AE19-62706E023703}">
+                      <ahyp:hlinkClr xmlns:ahyp="http://schemas.microsoft.com/office/drawing/2018/hyperlinkcolor" val="tx"/>
+                    </a:ext>
+                  </a:extLst>
+                </a:hlinkClick>
+              </a:rPr>
+              <a:t>application ID</a:t>
+            </a:r>
+            <a:r>
+              <a:rPr lang="en-US" sz="2400" dirty="0">
+                <a:solidFill>
+                  <a:schemeClr val="tx1"/>
+                </a:solidFill>
+              </a:rPr>
+              <a:t> is used to create the access token when passing the application ID for authentication.</a:t>
+            </a:r>
+          </a:p>
+          <a:p>
+            <a:r>
+              <a:rPr lang="en-US" sz="2400" dirty="0">
+                <a:solidFill>
+                  <a:schemeClr val="tx1"/>
+                </a:solidFill>
+              </a:rPr>
+              <a:t>To reference a service principal for operations or to make changes you use the </a:t>
+            </a:r>
+            <a:r>
+              <a:rPr lang="en-US" sz="2400" b="1" u="sng" dirty="0">
+                <a:solidFill>
+                  <a:schemeClr val="tx1"/>
+                </a:solidFill>
+                <a:hlinkClick r:id="rId3">
+                  <a:extLst>
+                    <a:ext uri="{A12FA001-AC4F-418D-AE19-62706E023703}">
+                      <ahyp:hlinkClr xmlns:ahyp="http://schemas.microsoft.com/office/drawing/2018/hyperlinkcolor" val="tx"/>
+                    </a:ext>
+                  </a:extLst>
+                </a:hlinkClick>
+              </a:rPr>
+              <a:t>service principal object ID</a:t>
+            </a:r>
+            <a:r>
+              <a:rPr lang="en-US" sz="2400" dirty="0">
+                <a:solidFill>
+                  <a:schemeClr val="tx1"/>
+                </a:solidFill>
+              </a:rPr>
+              <a:t> — for example, applying a service principal as an admin to a workspace.</a:t>
+            </a:r>
+          </a:p>
+        </p:txBody>
+      </p:sp>
+      <p:sp>
+        <p:nvSpPr>
+          <p:cNvPr id="5" name="Text Placeholder 4">
+            <a:extLst>
+              <a:ext uri="{FF2B5EF4-FFF2-40B4-BE49-F238E27FC236}">
+                <a16:creationId xmlns:a16="http://schemas.microsoft.com/office/drawing/2014/main" id="{FD970DE7-C8A8-4B90-A0DD-C11DA8B62E7E}"/>
+              </a:ext>
+            </a:extLst>
+          </p:cNvPr>
+          <p:cNvSpPr>
+            <a:spLocks noGrp="1"/>
+          </p:cNvSpPr>
+          <p:nvPr>
+            <p:ph type="body" sz="quarter" idx="3"/>
+          </p:nvPr>
+        </p:nvSpPr>
+        <p:spPr>
+          <a:xfrm>
+            <a:off x="6172200" y="1655612"/>
+            <a:ext cx="5183188" cy="849463"/>
+          </a:xfrm>
+        </p:spPr>
+        <p:txBody>
+          <a:bodyPr/>
+          <a:lstStyle/>
+          <a:p>
+            <a:r>
+              <a:rPr lang="en-US" dirty="0"/>
+              <a:t>Can you manage an On-premises data gateway with service principal?</a:t>
+            </a:r>
+          </a:p>
+        </p:txBody>
+      </p:sp>
+      <p:sp>
+        <p:nvSpPr>
+          <p:cNvPr id="6" name="Content Placeholder 5">
+            <a:extLst>
+              <a:ext uri="{FF2B5EF4-FFF2-40B4-BE49-F238E27FC236}">
+                <a16:creationId xmlns:a16="http://schemas.microsoft.com/office/drawing/2014/main" id="{EADFE422-1C70-4630-A05D-6DA9864F2423}"/>
+              </a:ext>
+            </a:extLst>
+          </p:cNvPr>
+          <p:cNvSpPr>
+            <a:spLocks noGrp="1"/>
+          </p:cNvSpPr>
+          <p:nvPr>
+            <p:ph sz="quarter" idx="4"/>
+          </p:nvPr>
+        </p:nvSpPr>
+        <p:spPr>
+          <a:xfrm>
+            <a:off x="6172200" y="2505075"/>
+            <a:ext cx="5183188" cy="3536353"/>
+          </a:xfrm>
+        </p:spPr>
+        <p:txBody>
+          <a:bodyPr/>
+          <a:lstStyle/>
+          <a:p>
+            <a:r>
+              <a:rPr lang="en-US" sz="1800" dirty="0">
+                <a:solidFill>
+                  <a:schemeClr val="tx1"/>
+                </a:solidFill>
+              </a:rPr>
+              <a:t>You can't manage an On-premises data gateway (data gateway) using </a:t>
+            </a:r>
+            <a:r>
+              <a:rPr lang="en-US" sz="1800" u="sng" dirty="0">
+                <a:solidFill>
+                  <a:schemeClr val="tx1"/>
+                </a:solidFill>
+                <a:hlinkClick r:id="rId4">
+                  <a:extLst>
+                    <a:ext uri="{A12FA001-AC4F-418D-AE19-62706E023703}">
+                      <ahyp:hlinkClr xmlns:ahyp="http://schemas.microsoft.com/office/drawing/2018/hyperlinkcolor" val="tx"/>
+                    </a:ext>
+                  </a:extLst>
+                </a:hlinkClick>
+              </a:rPr>
+              <a:t>service principal</a:t>
+            </a:r>
+            <a:r>
+              <a:rPr lang="en-US" sz="1800" dirty="0">
+                <a:solidFill>
+                  <a:schemeClr val="tx1"/>
+                </a:solidFill>
+              </a:rPr>
+              <a:t> like you can with a master account.</a:t>
+            </a:r>
+          </a:p>
+          <a:p>
+            <a:r>
+              <a:rPr lang="en-US" sz="1800" dirty="0">
+                <a:solidFill>
+                  <a:schemeClr val="tx1"/>
+                </a:solidFill>
+              </a:rPr>
+              <a:t>With a master account, you can install a data gateway, add users to the gateway, connect to data sources, and do other administrative tasks.</a:t>
+            </a:r>
+          </a:p>
+          <a:p>
+            <a:r>
+              <a:rPr lang="en-US" sz="1800" dirty="0">
+                <a:solidFill>
+                  <a:schemeClr val="tx1"/>
+                </a:solidFill>
+              </a:rPr>
+              <a:t>With service principal, you can configure </a:t>
+            </a:r>
+            <a:r>
+              <a:rPr lang="en-US" sz="1800" u="sng" dirty="0">
+                <a:solidFill>
+                  <a:schemeClr val="tx1"/>
+                </a:solidFill>
+                <a:hlinkClick r:id="rId5">
+                  <a:extLst>
+                    <a:ext uri="{A12FA001-AC4F-418D-AE19-62706E023703}">
+                      <ahyp:hlinkClr xmlns:ahyp="http://schemas.microsoft.com/office/drawing/2018/hyperlinkcolor" val="tx"/>
+                    </a:ext>
+                  </a:extLst>
+                </a:hlinkClick>
+              </a:rPr>
+              <a:t>row-level security (RLS)</a:t>
+            </a:r>
+            <a:r>
+              <a:rPr lang="en-US" sz="1800" dirty="0">
+                <a:solidFill>
+                  <a:schemeClr val="tx1"/>
+                </a:solidFill>
+              </a:rPr>
+              <a:t> using an SQL Server Analysis Services (SSAS) on-premises live connection data source. This way you can manage users and their access to data in SSAS when integrating with </a:t>
+            </a:r>
+            <a:r>
+              <a:rPr lang="en-US" sz="1800" b="1" dirty="0">
+                <a:solidFill>
+                  <a:schemeClr val="tx1"/>
+                </a:solidFill>
+              </a:rPr>
+              <a:t>Power BI </a:t>
+            </a:r>
+            <a:r>
+              <a:rPr lang="en-US" sz="1800" b="1" dirty="0" err="1">
+                <a:solidFill>
+                  <a:schemeClr val="tx1"/>
+                </a:solidFill>
+              </a:rPr>
+              <a:t>Embedded</a:t>
+            </a:r>
+            <a:r>
+              <a:rPr lang="en-US" sz="1800" dirty="0" err="1">
+                <a:solidFill>
+                  <a:schemeClr val="tx1"/>
+                </a:solidFill>
+              </a:rPr>
+              <a:t>using</a:t>
+            </a:r>
+            <a:r>
+              <a:rPr lang="en-US" sz="1800" dirty="0">
+                <a:solidFill>
+                  <a:schemeClr val="tx1"/>
+                </a:solidFill>
+              </a:rPr>
+              <a:t> a service principal.</a:t>
+            </a:r>
+          </a:p>
+        </p:txBody>
+      </p:sp>
+    </p:spTree>
+    <p:extLst>
+      <p:ext uri="{BB962C8B-B14F-4D97-AF65-F5344CB8AC3E}">
+        <p14:creationId xmlns:p14="http://schemas.microsoft.com/office/powerpoint/2010/main" val="1131365498"/>
+      </p:ext>
+    </p:extLst>
+  </p:cSld>
+  <p:clrMapOvr>
+    <a:masterClrMapping/>
+  </p:clrMapOvr>
+</p:sld>
+</file>
+
+<file path=ppt/slides/slide18.xml><?xml version="1.0" encoding="utf-8"?>
+<p:sld xmlns:a="http://schemas.openxmlformats.org/drawingml/2006/main" xmlns:r="http://schemas.openxmlformats.org/officeDocument/2006/relationships" xmlns:p="http://schemas.openxmlformats.org/presentationml/2006/main">
+  <p:cSld>
+    <p:spTree>
+      <p:nvGrpSpPr>
+        <p:cNvPr id="1" name=""/>
+        <p:cNvGrpSpPr/>
+        <p:nvPr/>
+      </p:nvGrpSpPr>
+      <p:grpSpPr>
+        <a:xfrm>
+          <a:off x="0" y="0"/>
+          <a:ext cx="0" cy="0"/>
+          <a:chOff x="0" y="0"/>
+          <a:chExt cx="0" cy="0"/>
+        </a:xfrm>
+      </p:grpSpPr>
+      <p:sp>
+        <p:nvSpPr>
+          <p:cNvPr id="2" name="Title 1">
+            <a:extLst>
+              <a:ext uri="{FF2B5EF4-FFF2-40B4-BE49-F238E27FC236}">
+                <a16:creationId xmlns:a16="http://schemas.microsoft.com/office/drawing/2014/main" id="{5528FD91-1CA9-449F-A877-97286662F9A5}"/>
+              </a:ext>
+            </a:extLst>
+          </p:cNvPr>
+          <p:cNvSpPr>
+            <a:spLocks noGrp="1"/>
+          </p:cNvSpPr>
+          <p:nvPr>
+            <p:ph type="title"/>
+          </p:nvPr>
+        </p:nvSpPr>
+        <p:spPr/>
+        <p:txBody>
+          <a:bodyPr/>
+          <a:lstStyle/>
+          <a:p>
+            <a:r>
+              <a:rPr lang="en-US" dirty="0"/>
+              <a:t>FAQs</a:t>
+            </a:r>
+          </a:p>
+        </p:txBody>
+      </p:sp>
+      <p:sp>
+        <p:nvSpPr>
+          <p:cNvPr id="3" name="Text Placeholder 2">
+            <a:extLst>
+              <a:ext uri="{FF2B5EF4-FFF2-40B4-BE49-F238E27FC236}">
+                <a16:creationId xmlns:a16="http://schemas.microsoft.com/office/drawing/2014/main" id="{01B9D078-C085-4BDB-8293-DCBD2B888954}"/>
+              </a:ext>
+            </a:extLst>
+          </p:cNvPr>
+          <p:cNvSpPr>
+            <a:spLocks noGrp="1"/>
+          </p:cNvSpPr>
+          <p:nvPr>
+            <p:ph type="body" idx="1"/>
+          </p:nvPr>
+        </p:nvSpPr>
+        <p:spPr>
+          <a:xfrm>
+            <a:off x="839788" y="1655612"/>
+            <a:ext cx="5157787" cy="849463"/>
+          </a:xfrm>
+        </p:spPr>
+        <p:txBody>
+          <a:bodyPr/>
+          <a:lstStyle/>
+          <a:p>
+            <a:r>
+              <a:rPr lang="en-US" dirty="0"/>
+              <a:t>What are the Azure regions PBI Embedded is available?</a:t>
+            </a:r>
+          </a:p>
+        </p:txBody>
+      </p:sp>
+      <p:sp>
+        <p:nvSpPr>
+          <p:cNvPr id="4" name="Content Placeholder 3">
+            <a:extLst>
+              <a:ext uri="{FF2B5EF4-FFF2-40B4-BE49-F238E27FC236}">
+                <a16:creationId xmlns:a16="http://schemas.microsoft.com/office/drawing/2014/main" id="{A5105BE6-FFD2-466C-8EED-93A942BFC5A5}"/>
+              </a:ext>
+            </a:extLst>
+          </p:cNvPr>
+          <p:cNvSpPr>
+            <a:spLocks noGrp="1"/>
+          </p:cNvSpPr>
+          <p:nvPr>
+            <p:ph sz="half" idx="2"/>
+          </p:nvPr>
+        </p:nvSpPr>
+        <p:spPr>
+          <a:xfrm>
+            <a:off x="839788" y="2505075"/>
+            <a:ext cx="5157787" cy="2893100"/>
+          </a:xfrm>
+        </p:spPr>
+        <p:txBody>
+          <a:bodyPr/>
+          <a:lstStyle/>
+          <a:p>
+            <a:r>
+              <a:rPr lang="en-US" sz="1600" u="sng" dirty="0">
+                <a:solidFill>
+                  <a:schemeClr val="tx1"/>
+                </a:solidFill>
+                <a:hlinkClick r:id="rId2">
+                  <a:extLst>
+                    <a:ext uri="{A12FA001-AC4F-418D-AE19-62706E023703}">
+                      <ahyp:hlinkClr xmlns:ahyp="http://schemas.microsoft.com/office/drawing/2018/hyperlinkcolor" val="tx"/>
+                    </a:ext>
+                  </a:extLst>
+                </a:hlinkClick>
+              </a:rPr>
+              <a:t>PAM</a:t>
+            </a:r>
+            <a:r>
+              <a:rPr lang="en-US" sz="1600" dirty="0">
+                <a:solidFill>
+                  <a:schemeClr val="tx1"/>
+                </a:solidFill>
+              </a:rPr>
+              <a:t> (EcoManager) - see Product availability manager</a:t>
+            </a:r>
+          </a:p>
+          <a:p>
+            <a:r>
+              <a:rPr lang="en-US" sz="1600" dirty="0"/>
+              <a:t>Available regions (16 - same regions as Power BI)</a:t>
+            </a:r>
+          </a:p>
+          <a:p>
+            <a:pPr lvl="1"/>
+            <a:r>
+              <a:rPr lang="en-US" sz="1200" dirty="0"/>
+              <a:t>US (6) - East US, East US 2, North Central US, South Central US, West US, West US 2</a:t>
+            </a:r>
+          </a:p>
+          <a:p>
+            <a:pPr lvl="1"/>
+            <a:r>
+              <a:rPr lang="en-US" sz="1200" dirty="0"/>
+              <a:t>Europe (2) - North Europe, West Europe</a:t>
+            </a:r>
+          </a:p>
+          <a:p>
+            <a:pPr lvl="1"/>
+            <a:r>
+              <a:rPr lang="en-US" sz="1200" dirty="0"/>
+              <a:t>Asia Pacific (2) - Southeast Asia, East Asia</a:t>
+            </a:r>
+          </a:p>
+          <a:p>
+            <a:pPr lvl="1"/>
+            <a:r>
+              <a:rPr lang="en-US" sz="1200" dirty="0"/>
+              <a:t>Brazil (1) - Brazil South</a:t>
+            </a:r>
+          </a:p>
+          <a:p>
+            <a:pPr lvl="1"/>
+            <a:r>
+              <a:rPr lang="en-US" sz="1200" dirty="0"/>
+              <a:t>Japan (1) - Japan East</a:t>
+            </a:r>
+          </a:p>
+          <a:p>
+            <a:pPr lvl="1"/>
+            <a:r>
+              <a:rPr lang="en-US" sz="1200" dirty="0"/>
+              <a:t>Australia (1) - Australia Southeast</a:t>
+            </a:r>
+          </a:p>
+          <a:p>
+            <a:pPr lvl="1"/>
+            <a:r>
+              <a:rPr lang="en-US" sz="1200" dirty="0"/>
+              <a:t>India (1) - West India</a:t>
+            </a:r>
+          </a:p>
+          <a:p>
+            <a:pPr lvl="1"/>
+            <a:r>
+              <a:rPr lang="en-US" sz="1200" dirty="0"/>
+              <a:t>Canada (1) - Canada Central</a:t>
+            </a:r>
+          </a:p>
+          <a:p>
+            <a:pPr lvl="1"/>
+            <a:r>
+              <a:rPr lang="en-US" sz="1200" dirty="0"/>
+              <a:t>United Kingdom (1) - UK South</a:t>
+            </a:r>
+          </a:p>
+        </p:txBody>
+      </p:sp>
+      <p:sp>
+        <p:nvSpPr>
+          <p:cNvPr id="5" name="Text Placeholder 4">
+            <a:extLst>
+              <a:ext uri="{FF2B5EF4-FFF2-40B4-BE49-F238E27FC236}">
+                <a16:creationId xmlns:a16="http://schemas.microsoft.com/office/drawing/2014/main" id="{BD743616-073D-40F8-ADEB-173867A8E6C5}"/>
+              </a:ext>
+            </a:extLst>
+          </p:cNvPr>
+          <p:cNvSpPr>
+            <a:spLocks noGrp="1"/>
+          </p:cNvSpPr>
+          <p:nvPr>
+            <p:ph type="body" sz="quarter" idx="3"/>
+          </p:nvPr>
+        </p:nvSpPr>
+        <p:spPr>
+          <a:xfrm>
+            <a:off x="6172200" y="1655612"/>
+            <a:ext cx="5183188" cy="849463"/>
+          </a:xfrm>
+        </p:spPr>
+        <p:txBody>
+          <a:bodyPr/>
+          <a:lstStyle/>
+          <a:p>
+            <a:r>
+              <a:rPr lang="en-US" dirty="0"/>
+              <a:t>Can you sign into the Power BI service with service principal?</a:t>
+            </a:r>
+          </a:p>
+        </p:txBody>
+      </p:sp>
+      <p:sp>
+        <p:nvSpPr>
+          <p:cNvPr id="6" name="Content Placeholder 5">
+            <a:extLst>
+              <a:ext uri="{FF2B5EF4-FFF2-40B4-BE49-F238E27FC236}">
+                <a16:creationId xmlns:a16="http://schemas.microsoft.com/office/drawing/2014/main" id="{D537E2EE-6255-4F0B-ADD9-392BCA144E78}"/>
+              </a:ext>
+            </a:extLst>
+          </p:cNvPr>
+          <p:cNvSpPr>
+            <a:spLocks noGrp="1"/>
+          </p:cNvSpPr>
+          <p:nvPr>
+            <p:ph sz="quarter" idx="4"/>
+          </p:nvPr>
+        </p:nvSpPr>
+        <p:spPr>
+          <a:xfrm>
+            <a:off x="6172200" y="2505075"/>
+            <a:ext cx="5183188" cy="2252924"/>
+          </a:xfrm>
+        </p:spPr>
+        <p:txBody>
+          <a:bodyPr/>
+          <a:lstStyle/>
+          <a:p>
+            <a:r>
+              <a:rPr lang="en-US" sz="2400" dirty="0">
+                <a:solidFill>
+                  <a:schemeClr val="tx1"/>
+                </a:solidFill>
+              </a:rPr>
+              <a:t>No - you can't sign into Power BI using service principal.</a:t>
+            </a:r>
+          </a:p>
+          <a:p>
+            <a:r>
+              <a:rPr lang="en-US" sz="2400" dirty="0">
+                <a:solidFill>
+                  <a:schemeClr val="tx1"/>
+                </a:solidFill>
+              </a:rPr>
+              <a:t>Also, you can’t consume content as a user in external applications (SaaS embed), only when you generate an embed token.</a:t>
+            </a:r>
+          </a:p>
+        </p:txBody>
+      </p:sp>
+    </p:spTree>
+    <p:extLst>
+      <p:ext uri="{BB962C8B-B14F-4D97-AF65-F5344CB8AC3E}">
+        <p14:creationId xmlns:p14="http://schemas.microsoft.com/office/powerpoint/2010/main" val="1870800610"/>
+      </p:ext>
+    </p:extLst>
+  </p:cSld>
+  <p:clrMapOvr>
+    <a:masterClrMapping/>
+  </p:clrMapOvr>
+</p:sld>
+</file>
+
+<file path=ppt/slides/slide19.xml><?xml version="1.0" encoding="utf-8"?>
+<p:sld xmlns:a="http://schemas.openxmlformats.org/drawingml/2006/main" xmlns:r="http://schemas.openxmlformats.org/officeDocument/2006/relationships" xmlns:p="http://schemas.openxmlformats.org/presentationml/2006/main">
+  <p:cSld>
+    <p:spTree>
+      <p:nvGrpSpPr>
+        <p:cNvPr id="1" name=""/>
+        <p:cNvGrpSpPr/>
+        <p:nvPr/>
+      </p:nvGrpSpPr>
+      <p:grpSpPr>
+        <a:xfrm>
+          <a:off x="0" y="0"/>
+          <a:ext cx="0" cy="0"/>
+          <a:chOff x="0" y="0"/>
+          <a:chExt cx="0" cy="0"/>
+        </a:xfrm>
+      </p:grpSpPr>
+      <p:sp>
+        <p:nvSpPr>
+          <p:cNvPr id="5" name="Title 4">
+            <a:extLst>
+              <a:ext uri="{FF2B5EF4-FFF2-40B4-BE49-F238E27FC236}">
+                <a16:creationId xmlns:a16="http://schemas.microsoft.com/office/drawing/2014/main" id="{98514E63-695B-482E-84EC-65B6C0363DB1}"/>
+              </a:ext>
+            </a:extLst>
+          </p:cNvPr>
+          <p:cNvSpPr>
+            <a:spLocks noGrp="1"/>
+          </p:cNvSpPr>
+          <p:nvPr>
+            <p:ph type="title"/>
+          </p:nvPr>
+        </p:nvSpPr>
+        <p:spPr/>
+        <p:txBody>
+          <a:bodyPr/>
+          <a:lstStyle/>
+          <a:p>
+            <a:r>
+              <a:rPr lang="en-US" dirty="0"/>
+              <a:t>FAQs</a:t>
+            </a:r>
+          </a:p>
+        </p:txBody>
+      </p:sp>
+      <p:sp>
+        <p:nvSpPr>
+          <p:cNvPr id="3" name="Text Placeholder 2">
+            <a:extLst>
+              <a:ext uri="{FF2B5EF4-FFF2-40B4-BE49-F238E27FC236}">
+                <a16:creationId xmlns:a16="http://schemas.microsoft.com/office/drawing/2014/main" id="{233B97F5-CA01-49D9-B40D-A2519AD5774E}"/>
+              </a:ext>
+            </a:extLst>
+          </p:cNvPr>
+          <p:cNvSpPr>
+            <a:spLocks noGrp="1"/>
+          </p:cNvSpPr>
+          <p:nvPr>
+            <p:ph type="body" idx="1"/>
+          </p:nvPr>
+        </p:nvSpPr>
+        <p:spPr>
+          <a:xfrm>
+            <a:off x="839788" y="1877211"/>
+            <a:ext cx="10512424" cy="627864"/>
+          </a:xfrm>
+        </p:spPr>
+        <p:txBody>
+          <a:bodyPr/>
+          <a:lstStyle/>
+          <a:p>
+            <a:r>
+              <a:rPr lang="en-US" sz="1600" dirty="0"/>
+              <a:t>My Application already uses AAD for User Authentication. How can we use this Identity when authenticating to Power BI in a "User Owns Data" scenario?</a:t>
+            </a:r>
+          </a:p>
+        </p:txBody>
+      </p:sp>
+      <p:sp>
+        <p:nvSpPr>
+          <p:cNvPr id="4" name="Content Placeholder 3">
+            <a:extLst>
+              <a:ext uri="{FF2B5EF4-FFF2-40B4-BE49-F238E27FC236}">
+                <a16:creationId xmlns:a16="http://schemas.microsoft.com/office/drawing/2014/main" id="{A7A7AA60-23EC-4F15-9956-E4BA8E41F3B9}"/>
+              </a:ext>
+            </a:extLst>
+          </p:cNvPr>
+          <p:cNvSpPr>
+            <a:spLocks noGrp="1"/>
+          </p:cNvSpPr>
+          <p:nvPr>
+            <p:ph sz="half" idx="2"/>
+          </p:nvPr>
+        </p:nvSpPr>
+        <p:spPr>
+          <a:xfrm>
+            <a:off x="839788" y="2505075"/>
+            <a:ext cx="5157787" cy="2720745"/>
+          </a:xfrm>
+        </p:spPr>
+        <p:txBody>
+          <a:bodyPr/>
+          <a:lstStyle/>
+          <a:p>
+            <a:r>
+              <a:rPr lang="en-US" sz="1600" dirty="0">
+                <a:solidFill>
+                  <a:schemeClr val="tx1"/>
+                </a:solidFill>
+              </a:rPr>
+              <a:t>It is standard OAuth on-behalf-of flow (</a:t>
+            </a:r>
+            <a:r>
+              <a:rPr lang="en-US" sz="1600" u="sng" dirty="0">
+                <a:solidFill>
+                  <a:schemeClr val="tx1"/>
+                </a:solidFill>
+                <a:hlinkClick r:id="rId2">
+                  <a:extLst>
+                    <a:ext uri="{A12FA001-AC4F-418D-AE19-62706E023703}">
+                      <ahyp:hlinkClr xmlns:ahyp="http://schemas.microsoft.com/office/drawing/2018/hyperlinkcolor" val="tx"/>
+                    </a:ext>
+                  </a:extLst>
+                </a:hlinkClick>
+              </a:rPr>
+              <a:t>https://docs.microsoft.com/azure/active-directory/develop/active-directory-authentication-scenarios#web-application-to-web-api</a:t>
+            </a:r>
+            <a:r>
+              <a:rPr lang="en-US" sz="1600" dirty="0">
+                <a:solidFill>
+                  <a:schemeClr val="tx1"/>
+                </a:solidFill>
+              </a:rPr>
+              <a:t>) </a:t>
+            </a:r>
+          </a:p>
+          <a:p>
+            <a:r>
+              <a:rPr lang="en-US" sz="1600" dirty="0">
+                <a:solidFill>
+                  <a:schemeClr val="tx1"/>
+                </a:solidFill>
+              </a:rPr>
+              <a:t>The Application needs to be configured to require permissions to Power BI service (with the required scopes), and once you have a user token to your app, you simply call to ADAL API </a:t>
+            </a:r>
+            <a:r>
+              <a:rPr lang="en-US" sz="1600" dirty="0" err="1">
+                <a:solidFill>
+                  <a:schemeClr val="tx1"/>
+                </a:solidFill>
+              </a:rPr>
+              <a:t>AcquireTokenAsync</a:t>
+            </a:r>
+            <a:r>
+              <a:rPr lang="en-US" sz="1600" dirty="0">
+                <a:solidFill>
+                  <a:schemeClr val="tx1"/>
+                </a:solidFill>
+              </a:rPr>
+              <a:t> using the user access token and specify Power BI resource URL as the resource ID, </a:t>
+            </a:r>
+          </a:p>
+          <a:p>
+            <a:r>
+              <a:rPr lang="en-US" sz="1600" dirty="0">
+                <a:solidFill>
+                  <a:schemeClr val="tx1"/>
+                </a:solidFill>
+              </a:rPr>
+              <a:t>See a code snippet showing how this can be done…</a:t>
+            </a:r>
+          </a:p>
+        </p:txBody>
+      </p:sp>
+      <p:sp>
+        <p:nvSpPr>
+          <p:cNvPr id="11" name="Text Placeholder 2">
+            <a:extLst>
+              <a:ext uri="{FF2B5EF4-FFF2-40B4-BE49-F238E27FC236}">
+                <a16:creationId xmlns:a16="http://schemas.microsoft.com/office/drawing/2014/main" id="{7226F66D-D54D-4B42-9C17-B3955D0D4DCF}"/>
+              </a:ext>
+            </a:extLst>
+          </p:cNvPr>
+          <p:cNvSpPr>
+            <a:spLocks noGrp="1"/>
+          </p:cNvSpPr>
+          <p:nvPr>
+            <p:ph sz="quarter" idx="4"/>
+          </p:nvPr>
+        </p:nvSpPr>
+        <p:spPr>
+          <a:xfrm>
+            <a:off x="6172200" y="2505075"/>
+            <a:ext cx="5183188" cy="3139321"/>
+          </a:xfrm>
+          <a:solidFill>
+            <a:schemeClr val="tx1"/>
+          </a:solidFill>
+        </p:spPr>
+        <p:txBody>
+          <a:bodyPr/>
+          <a:lstStyle/>
+          <a:p>
+            <a:pPr indent="-457200"/>
+            <a:r>
+              <a:rPr lang="en-US" sz="2000" dirty="0">
+                <a:solidFill>
+                  <a:schemeClr val="bg1"/>
+                </a:solidFill>
+              </a:rPr>
+              <a:t>var context = new </a:t>
+            </a:r>
+            <a:r>
+              <a:rPr lang="en-US" sz="2000" dirty="0" err="1">
+                <a:solidFill>
+                  <a:schemeClr val="bg1"/>
+                </a:solidFill>
+              </a:rPr>
+              <a:t>AD.AuthenticationContext</a:t>
+            </a:r>
+            <a:r>
+              <a:rPr lang="en-US" sz="2000" dirty="0">
+                <a:solidFill>
+                  <a:schemeClr val="bg1"/>
+                </a:solidFill>
+              </a:rPr>
+              <a:t>(</a:t>
+            </a:r>
+            <a:r>
+              <a:rPr lang="en-US" sz="2000" dirty="0" err="1">
+                <a:solidFill>
+                  <a:schemeClr val="bg1"/>
+                </a:solidFill>
+              </a:rPr>
+              <a:t>authorityUrl</a:t>
+            </a:r>
+            <a:r>
+              <a:rPr lang="en-US" sz="2000" dirty="0">
+                <a:solidFill>
+                  <a:schemeClr val="bg1"/>
+                </a:solidFill>
+              </a:rPr>
+              <a:t>);</a:t>
+            </a:r>
+          </a:p>
+          <a:p>
+            <a:pPr indent="-457200"/>
+            <a:r>
+              <a:rPr lang="en-US" sz="2000" dirty="0">
+                <a:solidFill>
+                  <a:schemeClr val="bg1"/>
+                </a:solidFill>
+              </a:rPr>
+              <a:t>var </a:t>
+            </a:r>
+            <a:r>
+              <a:rPr lang="en-US" sz="2000" dirty="0" err="1">
+                <a:solidFill>
+                  <a:schemeClr val="bg1"/>
+                </a:solidFill>
+              </a:rPr>
+              <a:t>userAssertion</a:t>
+            </a:r>
+            <a:r>
+              <a:rPr lang="en-US" sz="2000" dirty="0">
+                <a:solidFill>
+                  <a:schemeClr val="bg1"/>
+                </a:solidFill>
+              </a:rPr>
+              <a:t> = new </a:t>
+            </a:r>
+            <a:r>
+              <a:rPr lang="en-US" sz="2000" dirty="0" err="1">
+                <a:solidFill>
+                  <a:schemeClr val="bg1"/>
+                </a:solidFill>
+              </a:rPr>
+              <a:t>AD.UserAssertion</a:t>
+            </a:r>
+            <a:r>
+              <a:rPr lang="en-US" sz="2000" dirty="0">
+                <a:solidFill>
+                  <a:schemeClr val="bg1"/>
+                </a:solidFill>
+              </a:rPr>
+              <a:t>(</a:t>
+            </a:r>
+            <a:r>
+              <a:rPr lang="en-US" sz="2000" dirty="0" err="1">
+                <a:solidFill>
+                  <a:schemeClr val="bg1"/>
+                </a:solidFill>
+              </a:rPr>
+              <a:t>userAccessToken</a:t>
+            </a:r>
+            <a:r>
+              <a:rPr lang="en-US" sz="2000" dirty="0">
+                <a:solidFill>
+                  <a:schemeClr val="bg1"/>
+                </a:solidFill>
+              </a:rPr>
+              <a:t>);</a:t>
+            </a:r>
+          </a:p>
+          <a:p>
+            <a:pPr indent="-457200"/>
+            <a:r>
+              <a:rPr lang="en-US" sz="2000" dirty="0">
+                <a:solidFill>
+                  <a:schemeClr val="bg1"/>
+                </a:solidFill>
+              </a:rPr>
+              <a:t>var </a:t>
+            </a:r>
+            <a:r>
+              <a:rPr lang="en-US" sz="2000" dirty="0" err="1">
+                <a:solidFill>
+                  <a:schemeClr val="bg1"/>
+                </a:solidFill>
+              </a:rPr>
+              <a:t>clientAssertion</a:t>
+            </a:r>
+            <a:r>
+              <a:rPr lang="en-US" sz="2000" dirty="0">
+                <a:solidFill>
+                  <a:schemeClr val="bg1"/>
+                </a:solidFill>
+              </a:rPr>
+              <a:t> = new </a:t>
+            </a:r>
+            <a:r>
+              <a:rPr lang="en-US" sz="2000" dirty="0" err="1">
+                <a:solidFill>
+                  <a:schemeClr val="bg1"/>
+                </a:solidFill>
+              </a:rPr>
+              <a:t>AD.ClientAssertionCertificate</a:t>
+            </a:r>
+            <a:r>
+              <a:rPr lang="en-US" sz="2000" dirty="0">
+                <a:solidFill>
+                  <a:schemeClr val="bg1"/>
+                </a:solidFill>
+              </a:rPr>
+              <a:t>(</a:t>
+            </a:r>
+            <a:r>
+              <a:rPr lang="en-US" sz="2000" dirty="0" err="1">
+                <a:solidFill>
+                  <a:schemeClr val="bg1"/>
+                </a:solidFill>
+              </a:rPr>
+              <a:t>MyAppId</a:t>
+            </a:r>
+            <a:r>
+              <a:rPr lang="en-US" sz="2000" dirty="0">
+                <a:solidFill>
+                  <a:schemeClr val="bg1"/>
+                </a:solidFill>
+              </a:rPr>
+              <a:t>, </a:t>
+            </a:r>
+            <a:r>
+              <a:rPr lang="en-US" sz="2000" dirty="0" err="1">
+                <a:solidFill>
+                  <a:schemeClr val="bg1"/>
+                </a:solidFill>
+              </a:rPr>
+              <a:t>MyAppCertificate</a:t>
+            </a:r>
+            <a:r>
+              <a:rPr lang="en-US" sz="2000" dirty="0">
+                <a:solidFill>
+                  <a:schemeClr val="bg1"/>
+                </a:solidFill>
+              </a:rPr>
+              <a:t>)</a:t>
+            </a:r>
+          </a:p>
+          <a:p>
+            <a:pPr indent="-457200"/>
+            <a:r>
+              <a:rPr lang="en-US" sz="2000" dirty="0">
+                <a:solidFill>
+                  <a:schemeClr val="bg1"/>
+                </a:solidFill>
+              </a:rPr>
+              <a:t>var </a:t>
+            </a:r>
+            <a:r>
+              <a:rPr lang="en-US" sz="2000" dirty="0" err="1">
+                <a:solidFill>
+                  <a:schemeClr val="bg1"/>
+                </a:solidFill>
+              </a:rPr>
+              <a:t>authenticationResult</a:t>
+            </a:r>
+            <a:r>
+              <a:rPr lang="en-US" sz="2000" dirty="0">
+                <a:solidFill>
+                  <a:schemeClr val="bg1"/>
+                </a:solidFill>
+              </a:rPr>
+              <a:t> = await </a:t>
+            </a:r>
+            <a:r>
+              <a:rPr lang="en-US" sz="2000" dirty="0" err="1">
+                <a:solidFill>
+                  <a:schemeClr val="bg1"/>
+                </a:solidFill>
+              </a:rPr>
+              <a:t>context.AcquireTokenAsync</a:t>
+            </a:r>
+            <a:r>
+              <a:rPr lang="en-US" sz="2000" dirty="0">
+                <a:solidFill>
+                  <a:schemeClr val="bg1"/>
+                </a:solidFill>
+              </a:rPr>
+              <a:t>(</a:t>
+            </a:r>
+            <a:r>
+              <a:rPr lang="en-US" sz="2000" dirty="0" err="1">
+                <a:solidFill>
+                  <a:schemeClr val="bg1"/>
+                </a:solidFill>
+              </a:rPr>
+              <a:t>resourceId</a:t>
+            </a:r>
+            <a:r>
+              <a:rPr lang="en-US" sz="2000" dirty="0">
+                <a:solidFill>
+                  <a:schemeClr val="bg1"/>
+                </a:solidFill>
+              </a:rPr>
+              <a:t>, </a:t>
+            </a:r>
+            <a:r>
+              <a:rPr lang="en-US" sz="2000" dirty="0" err="1">
+                <a:solidFill>
+                  <a:schemeClr val="bg1"/>
+                </a:solidFill>
+              </a:rPr>
+              <a:t>clientAssertion</a:t>
+            </a:r>
+            <a:r>
+              <a:rPr lang="en-US" sz="2000" dirty="0">
+                <a:solidFill>
+                  <a:schemeClr val="bg1"/>
+                </a:solidFill>
+              </a:rPr>
+              <a:t>, </a:t>
+            </a:r>
+            <a:r>
+              <a:rPr lang="en-US" sz="2000" dirty="0" err="1">
+                <a:solidFill>
+                  <a:schemeClr val="bg1"/>
+                </a:solidFill>
+              </a:rPr>
+              <a:t>userAssertion</a:t>
+            </a:r>
+            <a:r>
+              <a:rPr lang="en-US" sz="2000" dirty="0">
+                <a:solidFill>
+                  <a:schemeClr val="bg1"/>
+                </a:solidFill>
+              </a:rPr>
+              <a:t>);</a:t>
+            </a:r>
+          </a:p>
+        </p:txBody>
+      </p:sp>
+    </p:spTree>
+    <p:extLst>
+      <p:ext uri="{BB962C8B-B14F-4D97-AF65-F5344CB8AC3E}">
+        <p14:creationId xmlns:p14="http://schemas.microsoft.com/office/powerpoint/2010/main" val="2346890755"/>
+      </p:ext>
+    </p:extLst>
+  </p:cSld>
+  <p:clrMapOvr>
+    <a:masterClrMapping/>
+  </p:clrMapOvr>
 </p:sld>
 </file>
 

--- a/Hands-on Modules/Embedding/7. Embedding Module.pptx
+++ b/Hands-on Modules/Embedding/7. Embedding Module.pptx
@@ -869,7 +869,7 @@
                 <a:tabLst/>
                 <a:defRPr/>
               </a:pPr>
-              <a:t>2/26/2019 10:34 AM</a:t>
+              <a:t>2/26/2019 2:32 PM</a:t>
             </a:fld>
             <a:endParaRPr kumimoji="0" lang="en-US" sz="1200" b="0" i="0" u="none" strike="noStrike" kern="1200" cap="none" spc="0" normalizeH="0" baseline="0" noProof="0" dirty="0">
               <a:ln>
@@ -11975,22 +11975,7 @@
                   </a:extLst>
                 </a:hlinkClick>
               </a:rPr>
-              <a:t>ht</a:t>
-            </a:r>
-            <a:r>
-              <a:rPr lang="en-US" sz="1050" dirty="0">
-                <a:solidFill>
-                  <a:schemeClr val="tx1"/>
-                </a:solidFill>
-                <a:hlinkClick r:id="rId2">
-                  <a:extLst>
-                    <a:ext uri="{A12FA001-AC4F-418D-AE19-62706E023703}">
-                      <ahyp:hlinkClr xmlns:ahyp="http://schemas.microsoft.com/office/drawing/2018/hyperlinkcolor" val="tx"/>
-                    </a:ext>
-                  </a:extLst>
-                </a:hlinkClick>
-              </a:rPr>
-              <a:t>tps://docs.microsoft.com/rest/api/power-bi-embedded/</a:t>
+              <a:t>https://docs.microsoft.com/rest/api/power-bi-embedded/</a:t>
             </a:r>
             <a:endParaRPr lang="en-US" sz="1600" dirty="0">
               <a:solidFill>

--- a/Hands-on Modules/Embedding/7. Embedding Module.pptx
+++ b/Hands-on Modules/Embedding/7. Embedding Module.pptx
@@ -5,7 +5,7 @@
     <p:sldMasterId id="2147483660" r:id="rId1"/>
   </p:sldMasterIdLst>
   <p:notesMasterIdLst>
-    <p:notesMasterId r:id="rId21"/>
+    <p:notesMasterId r:id="rId23"/>
   </p:notesMasterIdLst>
   <p:sldIdLst>
     <p:sldId id="300" r:id="rId2"/>
@@ -27,6 +27,8 @@
     <p:sldId id="341" r:id="rId18"/>
     <p:sldId id="339" r:id="rId19"/>
     <p:sldId id="340" r:id="rId20"/>
+    <p:sldId id="342" r:id="rId21"/>
+    <p:sldId id="315" r:id="rId22"/>
   </p:sldIdLst>
   <p:sldSz cx="12192000" cy="6858000"/>
   <p:notesSz cx="6858000" cy="9144000"/>
@@ -215,7 +217,7 @@
           <a:p>
             <a:fld id="{A5E98B92-C0B5-4678-86B5-68F423B12508}" type="datetimeFigureOut">
               <a:rPr lang="en-US" smtClean="0"/>
-              <a:t>2/26/2019</a:t>
+              <a:t>2/27/2019</a:t>
             </a:fld>
             <a:endParaRPr lang="en-US"/>
           </a:p>
@@ -869,7 +871,7 @@
                 <a:tabLst/>
                 <a:defRPr/>
               </a:pPr>
-              <a:t>2/26/2019 2:32 PM</a:t>
+              <a:t>2/27/2019 5:09 PM</a:t>
             </a:fld>
             <a:endParaRPr kumimoji="0" lang="en-US" sz="1200" b="0" i="0" u="none" strike="noStrike" kern="1200" cap="none" spc="0" normalizeH="0" baseline="0" noProof="0" dirty="0">
               <a:ln>
@@ -975,6 +977,403 @@
     <p:extLst>
       <p:ext uri="{BB962C8B-B14F-4D97-AF65-F5344CB8AC3E}">
         <p14:creationId xmlns:p14="http://schemas.microsoft.com/office/powerpoint/2010/main" val="1742875548"/>
+      </p:ext>
+    </p:extLst>
+  </p:cSld>
+  <p:clrMapOvr>
+    <a:masterClrMapping/>
+  </p:clrMapOvr>
+</p:notes>
+</file>
+
+<file path=ppt/notesSlides/notesSlide3.xml><?xml version="1.0" encoding="utf-8"?>
+<p:notes xmlns:a="http://schemas.openxmlformats.org/drawingml/2006/main" xmlns:r="http://schemas.openxmlformats.org/officeDocument/2006/relationships" xmlns:p="http://schemas.openxmlformats.org/presentationml/2006/main">
+  <p:cSld>
+    <p:spTree>
+      <p:nvGrpSpPr>
+        <p:cNvPr id="1" name=""/>
+        <p:cNvGrpSpPr/>
+        <p:nvPr/>
+      </p:nvGrpSpPr>
+      <p:grpSpPr>
+        <a:xfrm>
+          <a:off x="0" y="0"/>
+          <a:ext cx="0" cy="0"/>
+          <a:chOff x="0" y="0"/>
+          <a:chExt cx="0" cy="0"/>
+        </a:xfrm>
+      </p:grpSpPr>
+      <p:sp>
+        <p:nvSpPr>
+          <p:cNvPr id="2" name="Slide Image Placeholder 1"/>
+          <p:cNvSpPr>
+            <a:spLocks noGrp="1" noRot="1" noChangeAspect="1"/>
+          </p:cNvSpPr>
+          <p:nvPr>
+            <p:ph type="sldImg"/>
+          </p:nvPr>
+        </p:nvSpPr>
+        <p:spPr/>
+      </p:sp>
+      <p:sp>
+        <p:nvSpPr>
+          <p:cNvPr id="3" name="Notes Placeholder 2"/>
+          <p:cNvSpPr>
+            <a:spLocks noGrp="1"/>
+          </p:cNvSpPr>
+          <p:nvPr>
+            <p:ph type="body" idx="1"/>
+          </p:nvPr>
+        </p:nvSpPr>
+        <p:spPr/>
+        <p:txBody>
+          <a:bodyPr/>
+          <a:lstStyle/>
+          <a:p>
+            <a:endParaRPr lang="en-US" dirty="0"/>
+          </a:p>
+        </p:txBody>
+      </p:sp>
+      <p:sp>
+        <p:nvSpPr>
+          <p:cNvPr id="4" name="Header Placeholder 3"/>
+          <p:cNvSpPr>
+            <a:spLocks noGrp="1"/>
+          </p:cNvSpPr>
+          <p:nvPr>
+            <p:ph type="hdr" sz="quarter" idx="10"/>
+          </p:nvPr>
+        </p:nvSpPr>
+        <p:spPr/>
+        <p:txBody>
+          <a:bodyPr/>
+          <a:lstStyle/>
+          <a:p>
+            <a:endParaRPr lang="en-US" dirty="0"/>
+          </a:p>
+        </p:txBody>
+      </p:sp>
+      <p:sp>
+        <p:nvSpPr>
+          <p:cNvPr id="5" name="Footer Placeholder 4"/>
+          <p:cNvSpPr>
+            <a:spLocks noGrp="1"/>
+          </p:cNvSpPr>
+          <p:nvPr>
+            <p:ph type="ftr" sz="quarter" idx="11"/>
+          </p:nvPr>
+        </p:nvSpPr>
+        <p:spPr/>
+        <p:txBody>
+          <a:bodyPr/>
+          <a:lstStyle/>
+          <a:p>
+            <a:pPr defTabSz="914099" eaLnBrk="0" hangingPunct="0"/>
+            <a:r>
+              <a:rPr lang="en-US" sz="400">
+                <a:gradFill>
+                  <a:gsLst>
+                    <a:gs pos="0">
+                      <a:prstClr val="black"/>
+                    </a:gs>
+                    <a:gs pos="100000">
+                      <a:prstClr val="black"/>
+                    </a:gs>
+                  </a:gsLst>
+                  <a:lin ang="5400000" scaled="0"/>
+                </a:gradFill>
+                <a:latin typeface="Segoe UI" pitchFamily="34" charset="0"/>
+                <a:ea typeface="Segoe UI" pitchFamily="34" charset="0"/>
+                <a:cs typeface="Segoe UI" pitchFamily="34" charset="0"/>
+              </a:rPr>
+              <a:t>© Microsoft Corporation. All rights reserved. MICROSOFT MAKES NO WARRANTIES, EXPRESS, IMPLIED OR STATUTORY, AS TO THE INFORMATION IN THIS PRESENTATION.</a:t>
+            </a:r>
+            <a:endParaRPr lang="en-US" sz="400" dirty="0">
+              <a:gradFill>
+                <a:gsLst>
+                  <a:gs pos="0">
+                    <a:prstClr val="black"/>
+                  </a:gs>
+                  <a:gs pos="100000">
+                    <a:prstClr val="black"/>
+                  </a:gs>
+                </a:gsLst>
+                <a:lin ang="5400000" scaled="0"/>
+              </a:gradFill>
+              <a:latin typeface="Segoe UI" pitchFamily="34" charset="0"/>
+              <a:ea typeface="Segoe UI" pitchFamily="34" charset="0"/>
+              <a:cs typeface="Segoe UI" pitchFamily="34" charset="0"/>
+            </a:endParaRPr>
+          </a:p>
+        </p:txBody>
+      </p:sp>
+      <p:sp>
+        <p:nvSpPr>
+          <p:cNvPr id="6" name="Date Placeholder 5"/>
+          <p:cNvSpPr>
+            <a:spLocks noGrp="1"/>
+          </p:cNvSpPr>
+          <p:nvPr>
+            <p:ph type="dt" idx="12"/>
+          </p:nvPr>
+        </p:nvSpPr>
+        <p:spPr/>
+        <p:txBody>
+          <a:bodyPr/>
+          <a:lstStyle/>
+          <a:p>
+            <a:fld id="{35A2D088-BDBD-41A5-ADCE-5C6A4DC08057}" type="datetime8">
+              <a:rPr lang="en-US" smtClean="0"/>
+              <a:t>2/27/2019 5:10 PM</a:t>
+            </a:fld>
+            <a:endParaRPr lang="en-US" dirty="0"/>
+          </a:p>
+        </p:txBody>
+      </p:sp>
+      <p:sp>
+        <p:nvSpPr>
+          <p:cNvPr id="7" name="Slide Number Placeholder 6"/>
+          <p:cNvSpPr>
+            <a:spLocks noGrp="1"/>
+          </p:cNvSpPr>
+          <p:nvPr>
+            <p:ph type="sldNum" sz="quarter" idx="13"/>
+          </p:nvPr>
+        </p:nvSpPr>
+        <p:spPr/>
+        <p:txBody>
+          <a:bodyPr/>
+          <a:lstStyle/>
+          <a:p>
+            <a:fld id="{B4008EB6-D09E-4580-8CD6-DDB14511944F}" type="slidenum">
+              <a:rPr lang="en-US" smtClean="0"/>
+              <a:pPr/>
+              <a:t>20</a:t>
+            </a:fld>
+            <a:endParaRPr lang="en-US" dirty="0"/>
+          </a:p>
+        </p:txBody>
+      </p:sp>
+    </p:spTree>
+    <p:extLst>
+      <p:ext uri="{BB962C8B-B14F-4D97-AF65-F5344CB8AC3E}">
+        <p14:creationId xmlns:p14="http://schemas.microsoft.com/office/powerpoint/2010/main" val="2006642493"/>
+      </p:ext>
+    </p:extLst>
+  </p:cSld>
+  <p:clrMapOvr>
+    <a:masterClrMapping/>
+  </p:clrMapOvr>
+</p:notes>
+</file>
+
+<file path=ppt/notesSlides/notesSlide4.xml><?xml version="1.0" encoding="utf-8"?>
+<p:notes xmlns:a="http://schemas.openxmlformats.org/drawingml/2006/main" xmlns:r="http://schemas.openxmlformats.org/officeDocument/2006/relationships" xmlns:p="http://schemas.openxmlformats.org/presentationml/2006/main">
+  <p:cSld>
+    <p:spTree>
+      <p:nvGrpSpPr>
+        <p:cNvPr id="1" name=""/>
+        <p:cNvGrpSpPr/>
+        <p:nvPr/>
+      </p:nvGrpSpPr>
+      <p:grpSpPr>
+        <a:xfrm>
+          <a:off x="0" y="0"/>
+          <a:ext cx="0" cy="0"/>
+          <a:chOff x="0" y="0"/>
+          <a:chExt cx="0" cy="0"/>
+        </a:xfrm>
+      </p:grpSpPr>
+      <p:sp>
+        <p:nvSpPr>
+          <p:cNvPr id="2" name="Slide Image Placeholder 1"/>
+          <p:cNvSpPr>
+            <a:spLocks noGrp="1" noRot="1" noChangeAspect="1"/>
+          </p:cNvSpPr>
+          <p:nvPr>
+            <p:ph type="sldImg"/>
+          </p:nvPr>
+        </p:nvSpPr>
+        <p:spPr>
+          <a:xfrm>
+            <a:off x="381000" y="685800"/>
+            <a:ext cx="6096000" cy="3429000"/>
+          </a:xfrm>
+        </p:spPr>
+      </p:sp>
+      <p:sp>
+        <p:nvSpPr>
+          <p:cNvPr id="3" name="Notes Placeholder 2"/>
+          <p:cNvSpPr>
+            <a:spLocks noGrp="1"/>
+          </p:cNvSpPr>
+          <p:nvPr>
+            <p:ph type="body" idx="1"/>
+          </p:nvPr>
+        </p:nvSpPr>
+        <p:spPr/>
+        <p:txBody>
+          <a:bodyPr>
+            <a:normAutofit/>
+          </a:bodyPr>
+          <a:lstStyle/>
+          <a:p>
+            <a:endParaRPr lang="en-US" dirty="0"/>
+          </a:p>
+        </p:txBody>
+      </p:sp>
+      <p:sp>
+        <p:nvSpPr>
+          <p:cNvPr id="4" name="Header Placeholder 3"/>
+          <p:cNvSpPr>
+            <a:spLocks noGrp="1"/>
+          </p:cNvSpPr>
+          <p:nvPr>
+            <p:ph type="hdr" sz="quarter" idx="10"/>
+          </p:nvPr>
+        </p:nvSpPr>
+        <p:spPr>
+          <a:xfrm>
+            <a:off x="0" y="0"/>
+            <a:ext cx="2971800" cy="457200"/>
+          </a:xfrm>
+          <a:prstGeom prst="rect">
+            <a:avLst/>
+          </a:prstGeom>
+        </p:spPr>
+        <p:txBody>
+          <a:bodyPr/>
+          <a:lstStyle/>
+          <a:p>
+            <a:endParaRPr lang="en-US" dirty="0">
+              <a:solidFill>
+                <a:prstClr val="black"/>
+              </a:solidFill>
+            </a:endParaRPr>
+          </a:p>
+        </p:txBody>
+      </p:sp>
+      <p:sp>
+        <p:nvSpPr>
+          <p:cNvPr id="5" name="Date Placeholder 4"/>
+          <p:cNvSpPr>
+            <a:spLocks noGrp="1"/>
+          </p:cNvSpPr>
+          <p:nvPr>
+            <p:ph type="dt" idx="11"/>
+          </p:nvPr>
+        </p:nvSpPr>
+        <p:spPr/>
+        <p:txBody>
+          <a:bodyPr/>
+          <a:lstStyle/>
+          <a:p>
+            <a:fld id="{8AB9A6D4-FB34-4BDB-BA1E-7271914431FC}" type="datetime8">
+              <a:rPr lang="en-US" smtClean="0">
+                <a:solidFill>
+                  <a:prstClr val="black"/>
+                </a:solidFill>
+              </a:rPr>
+              <a:t>2/27/2019 5:13 PM</a:t>
+            </a:fld>
+            <a:endParaRPr lang="en-US" dirty="0">
+              <a:solidFill>
+                <a:prstClr val="black"/>
+              </a:solidFill>
+            </a:endParaRPr>
+          </a:p>
+        </p:txBody>
+      </p:sp>
+      <p:sp>
+        <p:nvSpPr>
+          <p:cNvPr id="7" name="Slide Number Placeholder 6"/>
+          <p:cNvSpPr>
+            <a:spLocks noGrp="1"/>
+          </p:cNvSpPr>
+          <p:nvPr>
+            <p:ph type="sldNum" sz="quarter" idx="13"/>
+          </p:nvPr>
+        </p:nvSpPr>
+        <p:spPr/>
+        <p:txBody>
+          <a:bodyPr/>
+          <a:lstStyle/>
+          <a:p>
+            <a:fld id="{EC87E0CF-87F6-4B58-B8B8-DCAB2DAAF3CA}" type="slidenum">
+              <a:rPr lang="en-US" smtClean="0">
+                <a:solidFill>
+                  <a:prstClr val="black"/>
+                </a:solidFill>
+              </a:rPr>
+              <a:pPr/>
+              <a:t>21</a:t>
+            </a:fld>
+            <a:endParaRPr lang="en-US" dirty="0">
+              <a:solidFill>
+                <a:prstClr val="black"/>
+              </a:solidFill>
+            </a:endParaRPr>
+          </a:p>
+        </p:txBody>
+      </p:sp>
+      <p:sp>
+        <p:nvSpPr>
+          <p:cNvPr id="6" name="Footer Placeholder 5"/>
+          <p:cNvSpPr>
+            <a:spLocks noGrp="1"/>
+          </p:cNvSpPr>
+          <p:nvPr>
+            <p:ph type="ftr" sz="quarter" idx="14"/>
+          </p:nvPr>
+        </p:nvSpPr>
+        <p:spPr/>
+        <p:txBody>
+          <a:bodyPr/>
+          <a:lstStyle/>
+          <a:p>
+            <a:pPr defTabSz="914099" eaLnBrk="0" hangingPunct="0"/>
+            <a:r>
+              <a:rPr lang="en-US" sz="400">
+                <a:gradFill>
+                  <a:gsLst>
+                    <a:gs pos="0">
+                      <a:prstClr val="black"/>
+                    </a:gs>
+                    <a:gs pos="100000">
+                      <a:prstClr val="black"/>
+                    </a:gs>
+                  </a:gsLst>
+                  <a:lin ang="5400000" scaled="0"/>
+                </a:gradFill>
+                <a:latin typeface="Segoe UI" pitchFamily="34" charset="0"/>
+                <a:ea typeface="Segoe UI" pitchFamily="34" charset="0"/>
+                <a:cs typeface="Segoe UI" pitchFamily="34" charset="0"/>
+              </a:rPr>
+              <a:t>© Microsoft Corporation. All rights reserved. MICROSOFT MAKES NO WARRANTIES, EXPRESS, IMPLIED OR STATUTORY, AS TO THE INFORMATION IN THIS PRESENTATION.</a:t>
+            </a:r>
+            <a:endParaRPr lang="en-US" sz="400" dirty="0">
+              <a:gradFill>
+                <a:gsLst>
+                  <a:gs pos="0">
+                    <a:prstClr val="black"/>
+                  </a:gs>
+                  <a:gs pos="100000">
+                    <a:prstClr val="black"/>
+                  </a:gs>
+                </a:gsLst>
+                <a:lin ang="5400000" scaled="0"/>
+              </a:gradFill>
+              <a:latin typeface="Segoe UI" pitchFamily="34" charset="0"/>
+              <a:ea typeface="Segoe UI" pitchFamily="34" charset="0"/>
+              <a:cs typeface="Segoe UI" pitchFamily="34" charset="0"/>
+            </a:endParaRPr>
+          </a:p>
+        </p:txBody>
+      </p:sp>
+    </p:spTree>
+    <p:extLst>
+      <p:ext uri="{BB962C8B-B14F-4D97-AF65-F5344CB8AC3E}">
+        <p14:creationId xmlns:p14="http://schemas.microsoft.com/office/powerpoint/2010/main" val="4011344012"/>
       </p:ext>
     </p:extLst>
   </p:cSld>
@@ -6359,7 +6758,7 @@
             <a:fld id="{2E809A50-B28D-413A-915D-87F91E5248C6}" type="datetimeFigureOut">
               <a:rPr lang="en-US" smtClean="0"/>
               <a:pPr/>
-              <a:t>2/26/2019</a:t>
+              <a:t>2/27/2019</a:t>
             </a:fld>
             <a:endParaRPr lang="en-US"/>
           </a:p>
@@ -8006,7 +8405,7 @@
           <a:p>
             <a:fld id="{1279C872-40C5-4778-A459-913B2790679C}" type="datetimeFigureOut">
               <a:rPr lang="en-US" smtClean="0"/>
-              <a:t>2/26/2019</a:t>
+              <a:t>2/27/2019</a:t>
             </a:fld>
             <a:endParaRPr lang="en-US"/>
           </a:p>
@@ -8271,7 +8670,7 @@
           <a:p>
             <a:fld id="{1279C872-40C5-4778-A459-913B2790679C}" type="datetimeFigureOut">
               <a:rPr lang="en-US" smtClean="0"/>
-              <a:t>2/26/2019</a:t>
+              <a:t>2/27/2019</a:t>
             </a:fld>
             <a:endParaRPr lang="en-US"/>
           </a:p>
@@ -8683,7 +9082,7 @@
           <a:p>
             <a:fld id="{1279C872-40C5-4778-A459-913B2790679C}" type="datetimeFigureOut">
               <a:rPr lang="en-US" smtClean="0"/>
-              <a:t>2/26/2019</a:t>
+              <a:t>2/27/2019</a:t>
             </a:fld>
             <a:endParaRPr lang="en-US"/>
           </a:p>
@@ -10865,8 +11264,8 @@
         </p:nvSpPr>
         <p:spPr>
           <a:xfrm>
-            <a:off x="839788" y="1655612"/>
-            <a:ext cx="5157787" cy="849463"/>
+            <a:off x="839788" y="1877211"/>
+            <a:ext cx="5157787" cy="627864"/>
           </a:xfrm>
         </p:spPr>
         <p:txBody>
@@ -10874,7 +11273,7 @@
           <a:lstStyle/>
           <a:p>
             <a:r>
-              <a:rPr lang="en-US" dirty="0"/>
+              <a:rPr lang="en-US" sz="1600" dirty="0"/>
               <a:t>What are the prerequisites to create a PBIE capacity in Azure?</a:t>
             </a:r>
           </a:p>
@@ -10899,7 +11298,7 @@
         <p:spPr>
           <a:xfrm>
             <a:off x="839788" y="2505075"/>
-            <a:ext cx="5157787" cy="3656386"/>
+            <a:ext cx="5157787" cy="1612749"/>
           </a:xfrm>
         </p:spPr>
         <p:txBody>
@@ -10907,19 +11306,19 @@
           <a:lstStyle/>
           <a:p>
             <a:r>
-              <a:rPr lang="en-US" sz="2400" dirty="0"/>
+              <a:rPr lang="en-US" sz="1600" dirty="0"/>
               <a:t>Sign in to your organizational directory (MSA accounts are not supported).</a:t>
             </a:r>
           </a:p>
           <a:p>
             <a:r>
-              <a:rPr lang="en-US" sz="2400" dirty="0"/>
+              <a:rPr lang="en-US" sz="1600" dirty="0"/>
               <a:t>You need to have a Power BI tenant, that is, at least one user in your directory has signed up to Power BI.</a:t>
             </a:r>
           </a:p>
           <a:p>
             <a:r>
-              <a:rPr lang="en-US" sz="2400" dirty="0"/>
+              <a:rPr lang="en-US" sz="1600" dirty="0"/>
               <a:t>You need to have an Azure subscription in your organizational directory.</a:t>
             </a:r>
           </a:p>
@@ -10943,8 +11342,8 @@
         </p:nvSpPr>
         <p:spPr>
           <a:xfrm>
-            <a:off x="6172200" y="1655612"/>
-            <a:ext cx="5183188" cy="849463"/>
+            <a:off x="6172200" y="1877211"/>
+            <a:ext cx="5183188" cy="627864"/>
           </a:xfrm>
         </p:spPr>
         <p:txBody>
@@ -10952,7 +11351,7 @@
           <a:lstStyle/>
           <a:p>
             <a:r>
-              <a:rPr lang="en-US" dirty="0"/>
+              <a:rPr lang="en-US" sz="1600" dirty="0"/>
               <a:t>How do I manage permissions for service principals with Power BI?</a:t>
             </a:r>
           </a:p>
@@ -11156,8 +11555,8 @@
         </p:nvSpPr>
         <p:spPr>
           <a:xfrm>
-            <a:off x="839788" y="1766411"/>
-            <a:ext cx="5157787" cy="738664"/>
+            <a:off x="839788" y="1877211"/>
+            <a:ext cx="5157787" cy="627864"/>
           </a:xfrm>
         </p:spPr>
         <p:txBody>
@@ -11165,7 +11564,7 @@
           <a:lstStyle/>
           <a:p>
             <a:r>
-              <a:rPr lang="en-US" sz="2000" dirty="0"/>
+              <a:rPr lang="en-US" sz="1600" dirty="0"/>
               <a:t>Can my capacity scale automatically to adjust to the consumption of my app?</a:t>
             </a:r>
           </a:p>
@@ -11190,7 +11589,7 @@
         <p:spPr>
           <a:xfrm>
             <a:off x="839788" y="2505075"/>
-            <a:ext cx="5157787" cy="1181862"/>
+            <a:ext cx="5157787" cy="627864"/>
           </a:xfrm>
         </p:spPr>
         <p:txBody>
@@ -11198,7 +11597,7 @@
           <a:lstStyle/>
           <a:p>
             <a:r>
-              <a:rPr lang="en-US" sz="2400" dirty="0"/>
+              <a:rPr lang="en-US" sz="1600" dirty="0"/>
               <a:t>While there is no automatic scaling now, all the APIs are available to scale at any time.</a:t>
             </a:r>
           </a:p>
@@ -11222,8 +11621,8 @@
         </p:nvSpPr>
         <p:spPr>
           <a:xfrm>
-            <a:off x="6172200" y="1821811"/>
-            <a:ext cx="5183188" cy="683264"/>
+            <a:off x="6172200" y="1877211"/>
+            <a:ext cx="5183188" cy="627864"/>
           </a:xfrm>
         </p:spPr>
         <p:txBody>
@@ -11231,7 +11630,7 @@
           <a:lstStyle/>
           <a:p>
             <a:r>
-              <a:rPr lang="en-US" sz="1800" dirty="0"/>
+              <a:rPr lang="en-US" sz="1600" dirty="0"/>
               <a:t>Why creating/scaling/resuming a capacity results in putting the capacity into a suspended state?</a:t>
             </a:r>
           </a:p>
@@ -11256,7 +11655,7 @@
         <p:spPr>
           <a:xfrm>
             <a:off x="6172200" y="2505075"/>
-            <a:ext cx="5183188" cy="2179058"/>
+            <a:ext cx="5183188" cy="1071062"/>
           </a:xfrm>
         </p:spPr>
         <p:txBody>
@@ -11264,25 +11663,50 @@
           <a:lstStyle/>
           <a:p>
             <a:r>
-              <a:rPr lang="en-US" sz="2400" dirty="0"/>
+              <a:rPr lang="en-US" sz="1600" dirty="0">
+                <a:solidFill>
+                  <a:schemeClr val="tx1"/>
+                </a:solidFill>
+              </a:rPr>
               <a:t>The provisioning of a capacity (scale/resume/create) may fail. The caller of the provisioning call should check the </a:t>
             </a:r>
             <a:r>
-              <a:rPr lang="en-US" sz="2400" dirty="0" err="1"/>
+              <a:rPr lang="en-US" sz="1600" dirty="0" err="1">
+                <a:solidFill>
+                  <a:schemeClr val="tx1"/>
+                </a:solidFill>
+              </a:rPr>
               <a:t>ProvisioningState</a:t>
             </a:r>
             <a:r>
-              <a:rPr lang="en-US" sz="2400" dirty="0"/>
+              <a:rPr lang="en-US" sz="1600" dirty="0">
+                <a:solidFill>
+                  <a:schemeClr val="tx1"/>
+                </a:solidFill>
+              </a:rPr>
               <a:t> of a capacity using Get Details API: </a:t>
             </a:r>
             <a:r>
-              <a:rPr lang="en-US" sz="2400" u="sng" dirty="0">
-                <a:hlinkClick r:id="rId2"/>
+              <a:rPr lang="en-US" sz="1600" u="sng" dirty="0">
+                <a:solidFill>
+                  <a:schemeClr val="tx1"/>
+                </a:solidFill>
+                <a:hlinkClick r:id="rId2">
+                  <a:extLst>
+                    <a:ext uri="{A12FA001-AC4F-418D-AE19-62706E023703}">
+                      <ahyp:hlinkClr xmlns:ahyp="http://schemas.microsoft.com/office/drawing/2018/hyperlinkcolor" val="tx"/>
+                    </a:ext>
+                  </a:extLst>
+                </a:hlinkClick>
               </a:rPr>
               <a:t>Capacities - Get Details</a:t>
             </a:r>
             <a:r>
-              <a:rPr lang="en-US" sz="2400" dirty="0"/>
+              <a:rPr lang="en-US" sz="1600" dirty="0">
+                <a:solidFill>
+                  <a:schemeClr val="tx1"/>
+                </a:solidFill>
+              </a:rPr>
               <a:t>.</a:t>
             </a:r>
           </a:p>
@@ -11364,8 +11788,8 @@
         </p:nvSpPr>
         <p:spPr>
           <a:xfrm>
-            <a:off x="839788" y="1655612"/>
-            <a:ext cx="5157787" cy="849463"/>
+            <a:off x="839788" y="1877211"/>
+            <a:ext cx="5157787" cy="627864"/>
           </a:xfrm>
         </p:spPr>
         <p:txBody>
@@ -11373,7 +11797,7 @@
           <a:lstStyle/>
           <a:p>
             <a:r>
-              <a:rPr lang="en-US" dirty="0"/>
+              <a:rPr lang="en-US" sz="1600" dirty="0"/>
               <a:t>Can I only create Power BI Embedded capacities in a specific region?</a:t>
             </a:r>
           </a:p>
@@ -11398,7 +11822,7 @@
         <p:spPr>
           <a:xfrm>
             <a:off x="839788" y="2505075"/>
-            <a:ext cx="5157787" cy="1846659"/>
+            <a:ext cx="5157787" cy="1071062"/>
           </a:xfrm>
         </p:spPr>
         <p:txBody>
@@ -11406,7 +11830,7 @@
           <a:lstStyle/>
           <a:p>
             <a:r>
-              <a:rPr lang="en-US" sz="2400" dirty="0">
+              <a:rPr lang="en-US" sz="1600" dirty="0">
                 <a:solidFill>
                   <a:schemeClr val="tx1"/>
                 </a:solidFill>
@@ -11414,7 +11838,7 @@
               <a:t>With the </a:t>
             </a:r>
             <a:r>
-              <a:rPr lang="en-US" sz="2400" u="sng" dirty="0">
+              <a:rPr lang="en-US" sz="1600" u="sng" dirty="0">
                 <a:solidFill>
                   <a:schemeClr val="tx1"/>
                 </a:solidFill>
@@ -11429,7 +11853,7 @@
               <a:t>Multi-geo (Preview)</a:t>
             </a:r>
             <a:r>
-              <a:rPr lang="en-US" sz="2400" dirty="0">
+              <a:rPr lang="en-US" sz="1600" dirty="0">
                 <a:solidFill>
                   <a:schemeClr val="tx1"/>
                 </a:solidFill>
@@ -11437,7 +11861,7 @@
               <a:t> feature, you can purchase a </a:t>
             </a:r>
             <a:r>
-              <a:rPr lang="en-US" sz="2400" u="sng" dirty="0">
+              <a:rPr lang="en-US" sz="1600" u="sng" dirty="0">
                 <a:solidFill>
                   <a:schemeClr val="tx1"/>
                 </a:solidFill>
@@ -11452,7 +11876,7 @@
               <a:t>Power BI Embedded capacity</a:t>
             </a:r>
             <a:r>
-              <a:rPr lang="en-US" sz="2400" dirty="0">
+              <a:rPr lang="en-US" sz="1600" dirty="0">
                 <a:solidFill>
                   <a:schemeClr val="tx1"/>
                 </a:solidFill>
@@ -11480,8 +11904,8 @@
         </p:nvSpPr>
         <p:spPr>
           <a:xfrm>
-            <a:off x="6172200" y="1655612"/>
-            <a:ext cx="5183188" cy="849463"/>
+            <a:off x="6172200" y="1872230"/>
+            <a:ext cx="5183188" cy="406265"/>
           </a:xfrm>
         </p:spPr>
         <p:txBody>
@@ -11489,7 +11913,7 @@
           <a:lstStyle/>
           <a:p>
             <a:r>
-              <a:rPr lang="en-US" dirty="0"/>
+              <a:rPr lang="en-US" sz="1600" dirty="0"/>
               <a:t>How can I find what is my PBI tenant region?</a:t>
             </a:r>
           </a:p>
@@ -11514,7 +11938,7 @@
         <p:spPr>
           <a:xfrm>
             <a:off x="6172200" y="2505075"/>
-            <a:ext cx="5183188" cy="2326791"/>
+            <a:ext cx="5183188" cy="1169551"/>
           </a:xfrm>
         </p:spPr>
         <p:txBody>
@@ -11522,7 +11946,7 @@
           <a:lstStyle/>
           <a:p>
             <a:r>
-              <a:rPr lang="en-US" sz="2400" dirty="0">
+              <a:rPr lang="en-US" sz="1600" dirty="0">
                 <a:solidFill>
                   <a:schemeClr val="tx1"/>
                 </a:solidFill>
@@ -11532,7 +11956,7 @@
           </a:p>
           <a:p>
             <a:r>
-              <a:rPr lang="en-US" sz="2400" u="sng" dirty="0">
+              <a:rPr lang="en-US" sz="1600" u="sng" dirty="0">
                 <a:solidFill>
                   <a:schemeClr val="tx1"/>
                 </a:solidFill>
@@ -11547,7 +11971,7 @@
               <a:t>https://app.powerbi.com/</a:t>
             </a:r>
             <a:r>
-              <a:rPr lang="en-US" sz="2400" dirty="0">
+              <a:rPr lang="en-US" sz="1600" dirty="0">
                 <a:solidFill>
                   <a:schemeClr val="tx1"/>
                 </a:solidFill>
@@ -11556,7 +11980,7 @@
             </a:r>
           </a:p>
           <a:p>
-            <a:endParaRPr lang="en-US" sz="2400" dirty="0">
+            <a:endParaRPr lang="en-US" sz="1600" dirty="0">
               <a:solidFill>
                 <a:schemeClr val="tx1"/>
               </a:solidFill>
@@ -11593,7 +12017,7 @@
         </p:blipFill>
         <p:spPr bwMode="auto">
           <a:xfrm>
-            <a:off x="6096000" y="4534052"/>
+            <a:off x="6096000" y="3901206"/>
             <a:ext cx="5259387" cy="1706170"/>
           </a:xfrm>
           <a:prstGeom prst="rect">
@@ -11687,8 +12111,8 @@
         </p:nvSpPr>
         <p:spPr>
           <a:xfrm>
-            <a:off x="839788" y="1655612"/>
-            <a:ext cx="5157787" cy="849463"/>
+            <a:off x="839788" y="1877211"/>
+            <a:ext cx="5157787" cy="627864"/>
           </a:xfrm>
         </p:spPr>
         <p:txBody>
@@ -11696,7 +12120,7 @@
           <a:lstStyle/>
           <a:p>
             <a:r>
-              <a:rPr lang="en-US" dirty="0"/>
+              <a:rPr lang="en-US" sz="1600" dirty="0"/>
               <a:t>What is supported by the Cloud Solution Provider (CSP) channel?</a:t>
             </a:r>
           </a:p>
@@ -11721,7 +12145,7 @@
         <p:spPr>
           <a:xfrm>
             <a:off x="839788" y="2505075"/>
-            <a:ext cx="5157787" cy="2585323"/>
+            <a:ext cx="5157787" cy="1341906"/>
           </a:xfrm>
         </p:spPr>
         <p:txBody>
@@ -11729,13 +12153,13 @@
           <a:lstStyle/>
           <a:p>
             <a:r>
-              <a:rPr lang="en-US" sz="2400" dirty="0"/>
+              <a:rPr lang="en-US" sz="1600" dirty="0"/>
               <a:t>You can create PBIE for your tenant with subscription type CSP</a:t>
             </a:r>
           </a:p>
           <a:p>
             <a:r>
-              <a:rPr lang="en-US" sz="2400" dirty="0"/>
+              <a:rPr lang="en-US" sz="1600" dirty="0"/>
               <a:t>Partner account can sign in to customer tenant and purchase PBIE for customer tenant, specify customer tenant user as Power BI capacity admin</a:t>
             </a:r>
           </a:p>
@@ -11759,8 +12183,8 @@
         </p:nvSpPr>
         <p:spPr>
           <a:xfrm>
-            <a:off x="6172200" y="1655612"/>
-            <a:ext cx="5183188" cy="849463"/>
+            <a:off x="6172200" y="1877211"/>
+            <a:ext cx="5183188" cy="406265"/>
           </a:xfrm>
         </p:spPr>
         <p:txBody>
@@ -11768,7 +12192,7 @@
           <a:lstStyle/>
           <a:p>
             <a:r>
-              <a:rPr lang="en-US" dirty="0"/>
+              <a:rPr lang="en-US" sz="1600" dirty="0"/>
               <a:t>Why do I get an unsupported account message?</a:t>
             </a:r>
           </a:p>
@@ -11793,7 +12217,7 @@
         <p:spPr>
           <a:xfrm>
             <a:off x="6172200" y="2505075"/>
-            <a:ext cx="5183188" cy="1846659"/>
+            <a:ext cx="5183188" cy="849463"/>
           </a:xfrm>
         </p:spPr>
         <p:txBody>
@@ -11801,7 +12225,7 @@
           <a:lstStyle/>
           <a:p>
             <a:r>
-              <a:rPr lang="en-US" sz="2400" dirty="0"/>
+              <a:rPr lang="en-US" sz="1600" dirty="0"/>
               <a:t>Power BI requires you to sign up with an organizational account. Trying to sign up for Power BI using an MSA (Microsoft account) isn't supported.</a:t>
             </a:r>
           </a:p>
@@ -11883,8 +12307,8 @@
         </p:nvSpPr>
         <p:spPr>
           <a:xfrm>
-            <a:off x="839788" y="1655612"/>
-            <a:ext cx="5157787" cy="849463"/>
+            <a:off x="839788" y="1877211"/>
+            <a:ext cx="5157787" cy="406265"/>
           </a:xfrm>
         </p:spPr>
         <p:txBody>
@@ -11892,7 +12316,7 @@
           <a:lstStyle/>
           <a:p>
             <a:r>
-              <a:rPr lang="en-US" dirty="0"/>
+              <a:rPr lang="en-US" sz="1600" dirty="0"/>
               <a:t>Can I use APIs to create &amp; manage Azure capacities?</a:t>
             </a:r>
           </a:p>
@@ -11925,7 +12349,7 @@
           <a:lstStyle/>
           <a:p>
             <a:r>
-              <a:rPr lang="en-US" sz="2400" dirty="0">
+              <a:rPr lang="en-US" sz="1600" dirty="0">
                 <a:solidFill>
                   <a:schemeClr val="tx1"/>
                 </a:solidFill>
@@ -11933,7 +12357,7 @@
               <a:t>Yes, there are </a:t>
             </a:r>
             <a:r>
-              <a:rPr lang="en-US" sz="2400" dirty="0" err="1">
+              <a:rPr lang="en-US" sz="1600" dirty="0" err="1">
                 <a:solidFill>
                   <a:schemeClr val="tx1"/>
                 </a:solidFill>
@@ -11941,7 +12365,7 @@
               <a:t>Powershell</a:t>
             </a:r>
             <a:r>
-              <a:rPr lang="en-US" sz="2400" dirty="0">
+              <a:rPr lang="en-US" sz="1600" dirty="0">
                 <a:solidFill>
                   <a:schemeClr val="tx1"/>
                 </a:solidFill>
@@ -11963,7 +12387,7 @@
           <a:p>
             <a:pPr lvl="2"/>
             <a:r>
-              <a:rPr lang="en-US" sz="1050" dirty="0">
+              <a:rPr lang="en-US" sz="1600" dirty="0">
                 <a:solidFill>
                   <a:schemeClr val="tx1"/>
                 </a:solidFill>
@@ -12005,7 +12429,7 @@
           <a:p>
             <a:pPr lvl="2"/>
             <a:r>
-              <a:rPr lang="en-US" sz="1050" dirty="0">
+              <a:rPr lang="en-US" sz="1600" dirty="0">
                 <a:solidFill>
                   <a:schemeClr val="tx1"/>
                 </a:solidFill>
@@ -12019,7 +12443,7 @@
               </a:rPr>
               <a:t>https://docs.microsoft.com/powershell/module/azurerm.powerbiembedded/</a:t>
             </a:r>
-            <a:endParaRPr lang="en-US" sz="1050" dirty="0">
+            <a:endParaRPr lang="en-US" sz="1600" dirty="0">
               <a:solidFill>
                 <a:schemeClr val="tx1"/>
               </a:solidFill>
@@ -12027,7 +12451,7 @@
           </a:p>
           <a:p>
             <a:pPr lvl="1"/>
-            <a:endParaRPr lang="en-US" sz="832" dirty="0"/>
+            <a:endParaRPr lang="en-US" sz="1600" dirty="0"/>
           </a:p>
         </p:txBody>
       </p:sp>
@@ -12049,8 +12473,8 @@
         </p:nvSpPr>
         <p:spPr>
           <a:xfrm>
-            <a:off x="6172200" y="1655612"/>
-            <a:ext cx="5183188" cy="849463"/>
+            <a:off x="6172200" y="1877211"/>
+            <a:ext cx="5183188" cy="627864"/>
           </a:xfrm>
         </p:spPr>
         <p:txBody>
@@ -12058,7 +12482,7 @@
           <a:lstStyle/>
           <a:p>
             <a:r>
-              <a:rPr lang="en-US" dirty="0"/>
+              <a:rPr lang="en-US" sz="1600" dirty="0"/>
               <a:t>What is the difference between using RLS vs. JavaScript filters?</a:t>
             </a:r>
           </a:p>
@@ -12230,8 +12654,8 @@
         </p:nvSpPr>
         <p:spPr>
           <a:xfrm>
-            <a:off x="839788" y="1655612"/>
-            <a:ext cx="5157787" cy="849463"/>
+            <a:off x="839788" y="1877211"/>
+            <a:ext cx="5157787" cy="627864"/>
           </a:xfrm>
         </p:spPr>
         <p:txBody>
@@ -12239,7 +12663,7 @@
           <a:lstStyle/>
           <a:p>
             <a:r>
-              <a:rPr lang="en-US" dirty="0"/>
+              <a:rPr lang="en-US" sz="1600" dirty="0"/>
               <a:t>When to use an application ID vs. a service principal object ID?</a:t>
             </a:r>
           </a:p>
@@ -12264,7 +12688,7 @@
         <p:spPr>
           <a:xfrm>
             <a:off x="839788" y="2505075"/>
-            <a:ext cx="5157787" cy="3250121"/>
+            <a:ext cx="5157787" cy="1563505"/>
           </a:xfrm>
         </p:spPr>
         <p:txBody>
@@ -12272,7 +12696,7 @@
           <a:lstStyle/>
           <a:p>
             <a:r>
-              <a:rPr lang="en-US" sz="2400" dirty="0">
+              <a:rPr lang="en-US" sz="1600" dirty="0">
                 <a:solidFill>
                   <a:schemeClr val="tx1"/>
                 </a:solidFill>
@@ -12280,7 +12704,7 @@
               <a:t>The </a:t>
             </a:r>
             <a:r>
-              <a:rPr lang="en-US" sz="2400" b="1" u="sng" dirty="0">
+              <a:rPr lang="en-US" sz="1600" b="1" u="sng" dirty="0">
                 <a:solidFill>
                   <a:schemeClr val="tx1"/>
                 </a:solidFill>
@@ -12295,7 +12719,7 @@
               <a:t>application ID</a:t>
             </a:r>
             <a:r>
-              <a:rPr lang="en-US" sz="2400" dirty="0">
+              <a:rPr lang="en-US" sz="1600" dirty="0">
                 <a:solidFill>
                   <a:schemeClr val="tx1"/>
                 </a:solidFill>
@@ -12305,7 +12729,7 @@
           </a:p>
           <a:p>
             <a:r>
-              <a:rPr lang="en-US" sz="2400" dirty="0">
+              <a:rPr lang="en-US" sz="1600" dirty="0">
                 <a:solidFill>
                   <a:schemeClr val="tx1"/>
                 </a:solidFill>
@@ -12313,7 +12737,7 @@
               <a:t>To reference a service principal for operations or to make changes you use the </a:t>
             </a:r>
             <a:r>
-              <a:rPr lang="en-US" sz="2400" b="1" u="sng" dirty="0">
+              <a:rPr lang="en-US" sz="1600" b="1" u="sng" dirty="0">
                 <a:solidFill>
                   <a:schemeClr val="tx1"/>
                 </a:solidFill>
@@ -12328,7 +12752,7 @@
               <a:t>service principal object ID</a:t>
             </a:r>
             <a:r>
-              <a:rPr lang="en-US" sz="2400" dirty="0">
+              <a:rPr lang="en-US" sz="1600" dirty="0">
                 <a:solidFill>
                   <a:schemeClr val="tx1"/>
                 </a:solidFill>
@@ -12356,8 +12780,8 @@
         </p:nvSpPr>
         <p:spPr>
           <a:xfrm>
-            <a:off x="6172200" y="1655612"/>
-            <a:ext cx="5183188" cy="849463"/>
+            <a:off x="6172200" y="1877211"/>
+            <a:ext cx="5183188" cy="627864"/>
           </a:xfrm>
         </p:spPr>
         <p:txBody>
@@ -12365,7 +12789,7 @@
           <a:lstStyle/>
           <a:p>
             <a:r>
-              <a:rPr lang="en-US" dirty="0"/>
+              <a:rPr lang="en-US" sz="1600" dirty="0"/>
               <a:t>Can you manage an On-premises data gateway with service principal?</a:t>
             </a:r>
           </a:p>
@@ -12390,7 +12814,7 @@
         <p:spPr>
           <a:xfrm>
             <a:off x="6172200" y="2505075"/>
-            <a:ext cx="5183188" cy="3536353"/>
+            <a:ext cx="5183188" cy="2942344"/>
           </a:xfrm>
         </p:spPr>
         <p:txBody>
@@ -12398,7 +12822,7 @@
           <a:lstStyle/>
           <a:p>
             <a:r>
-              <a:rPr lang="en-US" sz="1800" dirty="0">
+              <a:rPr lang="en-US" sz="1600" dirty="0">
                 <a:solidFill>
                   <a:schemeClr val="tx1"/>
                 </a:solidFill>
@@ -12406,7 +12830,7 @@
               <a:t>You can't manage an On-premises data gateway (data gateway) using </a:t>
             </a:r>
             <a:r>
-              <a:rPr lang="en-US" sz="1800" u="sng" dirty="0">
+              <a:rPr lang="en-US" sz="1600" u="sng" dirty="0">
                 <a:solidFill>
                   <a:schemeClr val="tx1"/>
                 </a:solidFill>
@@ -12421,7 +12845,7 @@
               <a:t>service principal</a:t>
             </a:r>
             <a:r>
-              <a:rPr lang="en-US" sz="1800" dirty="0">
+              <a:rPr lang="en-US" sz="1600" dirty="0">
                 <a:solidFill>
                   <a:schemeClr val="tx1"/>
                 </a:solidFill>
@@ -12431,7 +12855,7 @@
           </a:p>
           <a:p>
             <a:r>
-              <a:rPr lang="en-US" sz="1800" dirty="0">
+              <a:rPr lang="en-US" sz="1600" dirty="0">
                 <a:solidFill>
                   <a:schemeClr val="tx1"/>
                 </a:solidFill>
@@ -12441,7 +12865,7 @@
           </a:p>
           <a:p>
             <a:r>
-              <a:rPr lang="en-US" sz="1800" dirty="0">
+              <a:rPr lang="en-US" sz="1600" dirty="0">
                 <a:solidFill>
                   <a:schemeClr val="tx1"/>
                 </a:solidFill>
@@ -12449,7 +12873,7 @@
               <a:t>With service principal, you can configure </a:t>
             </a:r>
             <a:r>
-              <a:rPr lang="en-US" sz="1800" u="sng" dirty="0">
+              <a:rPr lang="en-US" sz="1600" u="sng" dirty="0">
                 <a:solidFill>
                   <a:schemeClr val="tx1"/>
                 </a:solidFill>
@@ -12464,7 +12888,7 @@
               <a:t>row-level security (RLS)</a:t>
             </a:r>
             <a:r>
-              <a:rPr lang="en-US" sz="1800" dirty="0">
+              <a:rPr lang="en-US" sz="1600" dirty="0">
                 <a:solidFill>
                   <a:schemeClr val="tx1"/>
                 </a:solidFill>
@@ -12472,7 +12896,7 @@
               <a:t> using an SQL Server Analysis Services (SSAS) on-premises live connection data source. This way you can manage users and their access to data in SSAS when integrating with </a:t>
             </a:r>
             <a:r>
-              <a:rPr lang="en-US" sz="1800" b="1" dirty="0">
+              <a:rPr lang="en-US" sz="1600" b="1" dirty="0">
                 <a:solidFill>
                   <a:schemeClr val="tx1"/>
                 </a:solidFill>
@@ -12480,7 +12904,7 @@
               <a:t>Power BI </a:t>
             </a:r>
             <a:r>
-              <a:rPr lang="en-US" sz="1800" b="1" dirty="0" err="1">
+              <a:rPr lang="en-US" sz="1600" b="1" dirty="0" err="1">
                 <a:solidFill>
                   <a:schemeClr val="tx1"/>
                 </a:solidFill>
@@ -12488,7 +12912,7 @@
               <a:t>Embedded</a:t>
             </a:r>
             <a:r>
-              <a:rPr lang="en-US" sz="1800" dirty="0" err="1">
+              <a:rPr lang="en-US" sz="1600" dirty="0" err="1">
                 <a:solidFill>
                   <a:schemeClr val="tx1"/>
                 </a:solidFill>
@@ -12496,7 +12920,7 @@
               <a:t>using</a:t>
             </a:r>
             <a:r>
-              <a:rPr lang="en-US" sz="1800" dirty="0">
+              <a:rPr lang="en-US" sz="1600" dirty="0">
                 <a:solidFill>
                   <a:schemeClr val="tx1"/>
                 </a:solidFill>
@@ -12582,8 +13006,8 @@
         </p:nvSpPr>
         <p:spPr>
           <a:xfrm>
-            <a:off x="839788" y="1655612"/>
-            <a:ext cx="5157787" cy="849463"/>
+            <a:off x="836612" y="1877211"/>
+            <a:ext cx="5157787" cy="406265"/>
           </a:xfrm>
         </p:spPr>
         <p:txBody>
@@ -12591,7 +13015,7 @@
           <a:lstStyle/>
           <a:p>
             <a:r>
-              <a:rPr lang="en-US" dirty="0"/>
+              <a:rPr lang="en-US" sz="1600" dirty="0"/>
               <a:t>What are the Azure regions PBI Embedded is available?</a:t>
             </a:r>
           </a:p>
@@ -12616,7 +13040,7 @@
         <p:spPr>
           <a:xfrm>
             <a:off x="839788" y="2505075"/>
-            <a:ext cx="5157787" cy="2893100"/>
+            <a:ext cx="5157787" cy="3557897"/>
           </a:xfrm>
         </p:spPr>
         <p:txBody>
@@ -12656,63 +13080,63 @@
           <a:p>
             <a:pPr lvl="1"/>
             <a:r>
-              <a:rPr lang="en-US" sz="1200" dirty="0"/>
+              <a:rPr lang="en-US" sz="1600" dirty="0"/>
               <a:t>US (6) - East US, East US 2, North Central US, South Central US, West US, West US 2</a:t>
             </a:r>
           </a:p>
           <a:p>
             <a:pPr lvl="1"/>
             <a:r>
-              <a:rPr lang="en-US" sz="1200" dirty="0"/>
+              <a:rPr lang="en-US" sz="1600" dirty="0"/>
               <a:t>Europe (2) - North Europe, West Europe</a:t>
             </a:r>
           </a:p>
           <a:p>
             <a:pPr lvl="1"/>
             <a:r>
-              <a:rPr lang="en-US" sz="1200" dirty="0"/>
+              <a:rPr lang="en-US" sz="1600" dirty="0"/>
               <a:t>Asia Pacific (2) - Southeast Asia, East Asia</a:t>
             </a:r>
           </a:p>
           <a:p>
             <a:pPr lvl="1"/>
             <a:r>
-              <a:rPr lang="en-US" sz="1200" dirty="0"/>
+              <a:rPr lang="en-US" sz="1600" dirty="0"/>
               <a:t>Brazil (1) - Brazil South</a:t>
             </a:r>
           </a:p>
           <a:p>
             <a:pPr lvl="1"/>
             <a:r>
-              <a:rPr lang="en-US" sz="1200" dirty="0"/>
+              <a:rPr lang="en-US" sz="1600" dirty="0"/>
               <a:t>Japan (1) - Japan East</a:t>
             </a:r>
           </a:p>
           <a:p>
             <a:pPr lvl="1"/>
             <a:r>
-              <a:rPr lang="en-US" sz="1200" dirty="0"/>
+              <a:rPr lang="en-US" sz="1600" dirty="0"/>
               <a:t>Australia (1) - Australia Southeast</a:t>
             </a:r>
           </a:p>
           <a:p>
             <a:pPr lvl="1"/>
             <a:r>
-              <a:rPr lang="en-US" sz="1200" dirty="0"/>
+              <a:rPr lang="en-US" sz="1600" dirty="0"/>
               <a:t>India (1) - West India</a:t>
             </a:r>
           </a:p>
           <a:p>
             <a:pPr lvl="1"/>
             <a:r>
-              <a:rPr lang="en-US" sz="1200" dirty="0"/>
+              <a:rPr lang="en-US" sz="1600" dirty="0"/>
               <a:t>Canada (1) - Canada Central</a:t>
             </a:r>
           </a:p>
           <a:p>
             <a:pPr lvl="1"/>
             <a:r>
-              <a:rPr lang="en-US" sz="1200" dirty="0"/>
+              <a:rPr lang="en-US" sz="1600" dirty="0"/>
               <a:t>United Kingdom (1) - UK South</a:t>
             </a:r>
           </a:p>
@@ -12736,8 +13160,8 @@
         </p:nvSpPr>
         <p:spPr>
           <a:xfrm>
-            <a:off x="6172200" y="1655612"/>
-            <a:ext cx="5183188" cy="849463"/>
+            <a:off x="6172200" y="1877211"/>
+            <a:ext cx="5183188" cy="627864"/>
           </a:xfrm>
         </p:spPr>
         <p:txBody>
@@ -12745,7 +13169,7 @@
           <a:lstStyle/>
           <a:p>
             <a:r>
-              <a:rPr lang="en-US" dirty="0"/>
+              <a:rPr lang="en-US" sz="1600" dirty="0"/>
               <a:t>Can you sign into the Power BI service with service principal?</a:t>
             </a:r>
           </a:p>
@@ -12770,7 +13194,7 @@
         <p:spPr>
           <a:xfrm>
             <a:off x="6172200" y="2505075"/>
-            <a:ext cx="5183188" cy="2252924"/>
+            <a:ext cx="5183188" cy="1341906"/>
           </a:xfrm>
         </p:spPr>
         <p:txBody>
@@ -12778,7 +13202,7 @@
           <a:lstStyle/>
           <a:p>
             <a:r>
-              <a:rPr lang="en-US" sz="2400" dirty="0">
+              <a:rPr lang="en-US" sz="1600" dirty="0">
                 <a:solidFill>
                   <a:schemeClr val="tx1"/>
                 </a:solidFill>
@@ -12788,7 +13212,7 @@
           </a:p>
           <a:p>
             <a:r>
-              <a:rPr lang="en-US" sz="2400" dirty="0">
+              <a:rPr lang="en-US" sz="1600" dirty="0">
                 <a:solidFill>
                   <a:schemeClr val="tx1"/>
                 </a:solidFill>
@@ -13343,6 +13767,116 @@
     <p:extLst>
       <p:ext uri="{BB962C8B-B14F-4D97-AF65-F5344CB8AC3E}">
         <p14:creationId xmlns:p14="http://schemas.microsoft.com/office/powerpoint/2010/main" val="3052005718"/>
+      </p:ext>
+    </p:extLst>
+  </p:cSld>
+  <p:clrMapOvr>
+    <a:masterClrMapping/>
+  </p:clrMapOvr>
+  <mc:AlternateContent xmlns:mc="http://schemas.openxmlformats.org/markup-compatibility/2006" xmlns:p14="http://schemas.microsoft.com/office/powerpoint/2010/main">
+    <mc:Choice Requires="p14">
+      <p:transition spd="med" p14:dur="700">
+        <p:fade/>
+      </p:transition>
+    </mc:Choice>
+    <mc:Fallback xmlns="">
+      <p:transition spd="med">
+        <p:fade/>
+      </p:transition>
+    </mc:Fallback>
+  </mc:AlternateContent>
+</p:sld>
+</file>
+
+<file path=ppt/slides/slide20.xml><?xml version="1.0" encoding="utf-8"?>
+<p:sld xmlns:a="http://schemas.openxmlformats.org/drawingml/2006/main" xmlns:r="http://schemas.openxmlformats.org/officeDocument/2006/relationships" xmlns:p="http://schemas.openxmlformats.org/presentationml/2006/main">
+  <p:cSld>
+    <p:spTree>
+      <p:nvGrpSpPr>
+        <p:cNvPr id="1" name=""/>
+        <p:cNvGrpSpPr/>
+        <p:nvPr/>
+      </p:nvGrpSpPr>
+      <p:grpSpPr>
+        <a:xfrm>
+          <a:off x="0" y="0"/>
+          <a:ext cx="0" cy="0"/>
+          <a:chOff x="0" y="0"/>
+          <a:chExt cx="0" cy="0"/>
+        </a:xfrm>
+      </p:grpSpPr>
+      <p:sp>
+        <p:nvSpPr>
+          <p:cNvPr id="2" name="Title 1"/>
+          <p:cNvSpPr>
+            <a:spLocks noGrp="1"/>
+          </p:cNvSpPr>
+          <p:nvPr>
+            <p:ph type="title"/>
+          </p:nvPr>
+        </p:nvSpPr>
+        <p:spPr/>
+        <p:txBody>
+          <a:bodyPr/>
+          <a:lstStyle/>
+          <a:p>
+            <a:r>
+              <a:rPr lang="en-US" dirty="0">
+                <a:solidFill>
+                  <a:schemeClr val="tx1"/>
+                </a:solidFill>
+              </a:rPr>
+              <a:t>Wrap Up</a:t>
+            </a:r>
+          </a:p>
+        </p:txBody>
+      </p:sp>
+    </p:spTree>
+    <p:extLst>
+      <p:ext uri="{BB962C8B-B14F-4D97-AF65-F5344CB8AC3E}">
+        <p14:creationId xmlns:p14="http://schemas.microsoft.com/office/powerpoint/2010/main" val="2714070568"/>
+      </p:ext>
+    </p:extLst>
+  </p:cSld>
+  <p:clrMapOvr>
+    <a:masterClrMapping/>
+  </p:clrMapOvr>
+  <mc:AlternateContent xmlns:mc="http://schemas.openxmlformats.org/markup-compatibility/2006" xmlns:p14="http://schemas.microsoft.com/office/powerpoint/2010/main">
+    <mc:Choice Requires="p14">
+      <p:transition spd="med" p14:dur="700">
+        <p:fade/>
+      </p:transition>
+    </mc:Choice>
+    <mc:Fallback xmlns="">
+      <p:transition spd="med">
+        <p:fade/>
+      </p:transition>
+    </mc:Fallback>
+  </mc:AlternateContent>
+</p:sld>
+</file>
+
+<file path=ppt/slides/slide21.xml><?xml version="1.0" encoding="utf-8"?>
+<p:sld xmlns:a="http://schemas.openxmlformats.org/drawingml/2006/main" xmlns:r="http://schemas.openxmlformats.org/officeDocument/2006/relationships" xmlns:p="http://schemas.openxmlformats.org/presentationml/2006/main">
+  <p:cSld>
+    <p:spTree>
+      <p:nvGrpSpPr>
+        <p:cNvPr id="1" name=""/>
+        <p:cNvGrpSpPr/>
+        <p:nvPr/>
+      </p:nvGrpSpPr>
+      <p:grpSpPr>
+        <a:xfrm>
+          <a:off x="0" y="0"/>
+          <a:ext cx="0" cy="0"/>
+          <a:chOff x="0" y="0"/>
+          <a:chExt cx="0" cy="0"/>
+        </a:xfrm>
+      </p:grpSpPr>
+    </p:spTree>
+    <p:extLst>
+      <p:ext uri="{BB962C8B-B14F-4D97-AF65-F5344CB8AC3E}">
+        <p14:creationId xmlns:p14="http://schemas.microsoft.com/office/powerpoint/2010/main" val="1897784522"/>
       </p:ext>
     </p:extLst>
   </p:cSld>
